--- a/Movie Guru.pptx
+++ b/Movie Guru.pptx
@@ -110,6 +110,11 @@
       </a:defRPr>
     </a:lvl9pPr>
   </p:defaultTextStyle>
+  <p:extLst>
+    <p:ext uri="{EFAFB233-063F-42B5-8137-9DF3F51BA10A}">
+      <p15:sldGuideLst xmlns:p15="http://schemas.microsoft.com/office/powerpoint/2012/main"/>
+    </p:ext>
+  </p:extLst>
 </p:presentation>
 </file>
 
@@ -377,7 +382,7 @@
           <a:p>
             <a:fld id="{ED291B17-9318-49DB-B28B-6E5994AE9581}" type="datetime1">
               <a:rPr lang="en-US" smtClean="0"/>
-              <a:t>8/15/2021</a:t>
+              <a:t>8/15/21</a:t>
             </a:fld>
             <a:endParaRPr lang="en-US" dirty="0"/>
           </a:p>
@@ -580,7 +585,7 @@
           <a:p>
             <a:fld id="{2CED4963-E985-44C4-B8C4-FDD613B7C2F8}" type="datetime1">
               <a:rPr lang="en-US" smtClean="0"/>
-              <a:t>8/15/2021</a:t>
+              <a:t>8/15/21</a:t>
             </a:fld>
             <a:endParaRPr lang="en-US" dirty="0"/>
           </a:p>
@@ -942,7 +947,7 @@
           <a:p>
             <a:fld id="{ED291B17-9318-49DB-B28B-6E5994AE9581}" type="datetime1">
               <a:rPr lang="en-US" smtClean="0"/>
-              <a:t>8/15/2021</a:t>
+              <a:t>8/15/21</a:t>
             </a:fld>
             <a:endParaRPr lang="en-US" dirty="0"/>
           </a:p>
@@ -1140,7 +1145,7 @@
           <a:p>
             <a:fld id="{78DD82B9-B8EE-4375-B6FF-88FA6ABB15D9}" type="datetime1">
               <a:rPr lang="en-US" smtClean="0"/>
-              <a:t>8/15/2021</a:t>
+              <a:t>8/15/21</a:t>
             </a:fld>
             <a:endParaRPr lang="en-US" dirty="0"/>
           </a:p>
@@ -1452,7 +1457,7 @@
           <a:p>
             <a:fld id="{B2497495-0637-405E-AE64-5CC7506D51F5}" type="datetime1">
               <a:rPr lang="en-US" smtClean="0"/>
-              <a:t>8/15/2021</a:t>
+              <a:t>8/15/21</a:t>
             </a:fld>
             <a:endParaRPr lang="en-US" dirty="0"/>
           </a:p>
@@ -1705,7 +1710,7 @@
           <a:p>
             <a:fld id="{7BFFD690-9426-415D-8B65-26881E07B2D4}" type="datetime1">
               <a:rPr lang="en-US" smtClean="0"/>
-              <a:t>8/15/2021</a:t>
+              <a:t>8/15/21</a:t>
             </a:fld>
             <a:endParaRPr lang="en-US" dirty="0"/>
           </a:p>
@@ -2127,7 +2132,7 @@
           <a:p>
             <a:fld id="{04C4989A-474C-40DE-95B9-011C28B71673}" type="datetime1">
               <a:rPr lang="en-US" smtClean="0"/>
-              <a:t>8/15/2021</a:t>
+              <a:t>8/15/21</a:t>
             </a:fld>
             <a:endParaRPr lang="en-US" dirty="0"/>
           </a:p>
@@ -2250,7 +2255,7 @@
           <a:p>
             <a:fld id="{5DB4ED54-5B5E-4A04-93D3-5772E3CE3818}" type="datetime1">
               <a:rPr lang="en-US" smtClean="0"/>
-              <a:t>8/15/2021</a:t>
+              <a:t>8/15/21</a:t>
             </a:fld>
             <a:endParaRPr lang="en-US" dirty="0"/>
           </a:p>
@@ -2345,7 +2350,7 @@
           <a:p>
             <a:fld id="{4EDE50D6-574B-40AF-946F-D52A04ADE379}" type="datetime1">
               <a:rPr lang="en-US" smtClean="0"/>
-              <a:t>8/15/2021</a:t>
+              <a:t>8/15/21</a:t>
             </a:fld>
             <a:endParaRPr lang="en-US" dirty="0"/>
           </a:p>
@@ -2722,7 +2727,7 @@
           <a:p>
             <a:fld id="{D82884F1-FFEA-405F-9602-3DCA865EDA4E}" type="datetime1">
               <a:rPr lang="en-US" smtClean="0"/>
-              <a:t>8/15/2021</a:t>
+              <a:t>8/15/21</a:t>
             </a:fld>
             <a:endParaRPr lang="en-US" dirty="0"/>
           </a:p>
@@ -3015,7 +3020,7 @@
           <a:p>
             <a:fld id="{7E18DB4A-8810-4A10-AD5C-D5E2C667F5B3}" type="datetime1">
               <a:rPr lang="en-US" smtClean="0"/>
-              <a:t>8/15/2021</a:t>
+              <a:t>8/15/21</a:t>
             </a:fld>
             <a:endParaRPr lang="en-US" dirty="0"/>
           </a:p>
@@ -3230,7 +3235,7 @@
           <a:p>
             <a:fld id="{ED291B17-9318-49DB-B28B-6E5994AE9581}" type="datetime1">
               <a:rPr lang="en-US" smtClean="0"/>
-              <a:t>8/15/2021</a:t>
+              <a:t>8/15/21</a:t>
             </a:fld>
             <a:endParaRPr lang="en-US" dirty="0"/>
           </a:p>
@@ -5224,28 +5229,278 @@
           </a:p>
         </p:txBody>
       </p:sp>
-      <p:sp>
-        <p:nvSpPr>
-          <p:cNvPr id="3" name="Content Placeholder 2">
+      <p:pic>
+        <p:nvPicPr>
+          <p:cNvPr id="5" name="Picture 4" descr="Map&#10;&#10;Description automatically generated">
             <a:extLst>
               <a:ext uri="{FF2B5EF4-FFF2-40B4-BE49-F238E27FC236}">
-                <a16:creationId xmlns:a16="http://schemas.microsoft.com/office/drawing/2014/main" id="{48225727-EF47-4580-97E8-D83B2576A144}"/>
+                <a16:creationId xmlns:a16="http://schemas.microsoft.com/office/drawing/2014/main" id="{57F4F377-7E88-4542-BAAE-54E87E6D24C3}"/>
               </a:ext>
             </a:extLst>
           </p:cNvPr>
-          <p:cNvSpPr>
-            <a:spLocks noGrp="1"/>
-          </p:cNvSpPr>
-          <p:nvPr>
-            <p:ph idx="1"/>
-          </p:nvPr>
-        </p:nvSpPr>
-        <p:spPr/>
-        <p:txBody>
-          <a:bodyPr/>
-          <a:lstStyle/>
-          <a:p>
-            <a:endParaRPr lang="en-US"/>
+          <p:cNvPicPr>
+            <a:picLocks noChangeAspect="1"/>
+          </p:cNvPicPr>
+          <p:nvPr/>
+        </p:nvPicPr>
+        <p:blipFill>
+          <a:blip r:embed="rId2">
+            <a:extLst>
+              <a:ext uri="{28A0092B-C50C-407E-A947-70E740481C1C}">
+                <a14:useLocalDpi xmlns:a14="http://schemas.microsoft.com/office/drawing/2010/main" val="0"/>
+              </a:ext>
+            </a:extLst>
+          </a:blip>
+          <a:stretch>
+            <a:fillRect/>
+          </a:stretch>
+        </p:blipFill>
+        <p:spPr>
+          <a:xfrm>
+            <a:off x="460862" y="2191960"/>
+            <a:ext cx="5804766" cy="3261970"/>
+          </a:xfrm>
+          <a:prstGeom prst="rect">
+            <a:avLst/>
+          </a:prstGeom>
+        </p:spPr>
+      </p:pic>
+      <p:sp>
+        <p:nvSpPr>
+          <p:cNvPr id="6" name="TextBox 5">
+            <a:extLst>
+              <a:ext uri="{FF2B5EF4-FFF2-40B4-BE49-F238E27FC236}">
+                <a16:creationId xmlns:a16="http://schemas.microsoft.com/office/drawing/2014/main" id="{5E9AD564-7C4C-4142-85EF-D5239E203D33}"/>
+              </a:ext>
+            </a:extLst>
+          </p:cNvPr>
+          <p:cNvSpPr txBox="1"/>
+          <p:nvPr/>
+        </p:nvSpPr>
+        <p:spPr>
+          <a:xfrm>
+            <a:off x="-93211" y="5587372"/>
+            <a:ext cx="6425895" cy="769441"/>
+          </a:xfrm>
+          <a:prstGeom prst="rect">
+            <a:avLst/>
+          </a:prstGeom>
+          <a:noFill/>
+        </p:spPr>
+        <p:txBody>
+          <a:bodyPr wrap="square" rtlCol="0">
+            <a:spAutoFit/>
+          </a:bodyPr>
+          <a:lstStyle/>
+          <a:p>
+            <a:pPr algn="ctr"/>
+            <a:r>
+              <a:rPr lang="en-US" sz="1600" dirty="0"/>
+              <a:t>Leaflet Map showing movies produced in each country</a:t>
+            </a:r>
+          </a:p>
+          <a:p>
+            <a:pPr algn="ctr"/>
+            <a:r>
+              <a:rPr lang="en-US" sz="1600" b="1" dirty="0"/>
+              <a:t>USA &gt; India &gt; Japan &gt; France &gt; Italy</a:t>
+            </a:r>
+          </a:p>
+          <a:p>
+            <a:pPr algn="ctr"/>
+            <a:r>
+              <a:rPr lang="en-US" sz="1200" dirty="0"/>
+              <a:t>Flask </a:t>
+            </a:r>
+            <a:r>
+              <a:rPr lang="en-US" sz="1200" dirty="0" err="1"/>
+              <a:t>api</a:t>
+            </a:r>
+            <a:r>
+              <a:rPr lang="en-US" sz="1200" dirty="0"/>
+              <a:t> route (“/”) to render data on landing page</a:t>
+            </a:r>
+          </a:p>
+        </p:txBody>
+      </p:sp>
+      <p:pic>
+        <p:nvPicPr>
+          <p:cNvPr id="8" name="Picture 7" descr="A picture containing text, computer, screenshot&#10;&#10;Description automatically generated">
+            <a:extLst>
+              <a:ext uri="{FF2B5EF4-FFF2-40B4-BE49-F238E27FC236}">
+                <a16:creationId xmlns:a16="http://schemas.microsoft.com/office/drawing/2014/main" id="{C25BA123-A231-4143-ACE2-20D1B18DA601}"/>
+              </a:ext>
+            </a:extLst>
+          </p:cNvPr>
+          <p:cNvPicPr>
+            <a:picLocks noChangeAspect="1"/>
+          </p:cNvPicPr>
+          <p:nvPr/>
+        </p:nvPicPr>
+        <p:blipFill rotWithShape="1">
+          <a:blip r:embed="rId3">
+            <a:extLst>
+              <a:ext uri="{28A0092B-C50C-407E-A947-70E740481C1C}">
+                <a14:useLocalDpi xmlns:a14="http://schemas.microsoft.com/office/drawing/2010/main" val="0"/>
+              </a:ext>
+            </a:extLst>
+          </a:blip>
+          <a:srcRect l="12637" t="13071" r="9411" b="3651"/>
+          <a:stretch/>
+        </p:blipFill>
+        <p:spPr>
+          <a:xfrm>
+            <a:off x="7173269" y="733150"/>
+            <a:ext cx="3819409" cy="2295185"/>
+          </a:xfrm>
+          <a:prstGeom prst="rect">
+            <a:avLst/>
+          </a:prstGeom>
+        </p:spPr>
+      </p:pic>
+      <p:sp>
+        <p:nvSpPr>
+          <p:cNvPr id="9" name="TextBox 8">
+            <a:extLst>
+              <a:ext uri="{FF2B5EF4-FFF2-40B4-BE49-F238E27FC236}">
+                <a16:creationId xmlns:a16="http://schemas.microsoft.com/office/drawing/2014/main" id="{03FE3EDD-8B34-4845-854A-9845E9CB2712}"/>
+              </a:ext>
+            </a:extLst>
+          </p:cNvPr>
+          <p:cNvSpPr txBox="1"/>
+          <p:nvPr/>
+        </p:nvSpPr>
+        <p:spPr>
+          <a:xfrm>
+            <a:off x="6712087" y="3028335"/>
+            <a:ext cx="5164240" cy="577081"/>
+          </a:xfrm>
+          <a:prstGeom prst="rect">
+            <a:avLst/>
+          </a:prstGeom>
+          <a:noFill/>
+        </p:spPr>
+        <p:txBody>
+          <a:bodyPr wrap="square" rtlCol="0">
+            <a:spAutoFit/>
+          </a:bodyPr>
+          <a:lstStyle/>
+          <a:p>
+            <a:pPr algn="ctr"/>
+            <a:r>
+              <a:rPr lang="en-US" sz="1050" dirty="0"/>
+              <a:t>Average rating for genre selected in dropdown for each country</a:t>
+            </a:r>
+          </a:p>
+          <a:p>
+            <a:pPr algn="ctr"/>
+            <a:r>
+              <a:rPr lang="en-US" sz="1050" b="1" dirty="0"/>
+              <a:t>ChartJS is a new library not covered in the class</a:t>
+            </a:r>
+          </a:p>
+          <a:p>
+            <a:pPr algn="ctr"/>
+            <a:r>
+              <a:rPr lang="en-US" sz="1050" i="1" dirty="0"/>
+              <a:t>Flask </a:t>
+            </a:r>
+            <a:r>
+              <a:rPr lang="en-US" sz="1050" i="1" dirty="0" err="1"/>
+              <a:t>api</a:t>
+            </a:r>
+            <a:r>
+              <a:rPr lang="en-US" sz="1050" i="1" dirty="0"/>
+              <a:t> route (“/&lt;genre_name&gt;”) used to query for the data grouped by country</a:t>
+            </a:r>
+            <a:endParaRPr lang="en-US" sz="900" i="1" dirty="0"/>
+          </a:p>
+        </p:txBody>
+      </p:sp>
+      <p:pic>
+        <p:nvPicPr>
+          <p:cNvPr id="11" name="Picture 10" descr="Chart&#10;&#10;Description automatically generated">
+            <a:extLst>
+              <a:ext uri="{FF2B5EF4-FFF2-40B4-BE49-F238E27FC236}">
+                <a16:creationId xmlns:a16="http://schemas.microsoft.com/office/drawing/2014/main" id="{B0696C56-A33B-A54D-B9F7-64913947242A}"/>
+              </a:ext>
+            </a:extLst>
+          </p:cNvPr>
+          <p:cNvPicPr>
+            <a:picLocks noChangeAspect="1"/>
+          </p:cNvPicPr>
+          <p:nvPr/>
+        </p:nvPicPr>
+        <p:blipFill rotWithShape="1">
+          <a:blip r:embed="rId4">
+            <a:extLst>
+              <a:ext uri="{28A0092B-C50C-407E-A947-70E740481C1C}">
+                <a14:useLocalDpi xmlns:a14="http://schemas.microsoft.com/office/drawing/2010/main" val="0"/>
+              </a:ext>
+            </a:extLst>
+          </a:blip>
+          <a:srcRect l="13206" t="10239" r="10327" b="3188"/>
+          <a:stretch/>
+        </p:blipFill>
+        <p:spPr>
+          <a:xfrm>
+            <a:off x="7145180" y="3822945"/>
+            <a:ext cx="3875585" cy="2468121"/>
+          </a:xfrm>
+          <a:prstGeom prst="rect">
+            <a:avLst/>
+          </a:prstGeom>
+        </p:spPr>
+      </p:pic>
+      <p:sp>
+        <p:nvSpPr>
+          <p:cNvPr id="12" name="TextBox 11">
+            <a:extLst>
+              <a:ext uri="{FF2B5EF4-FFF2-40B4-BE49-F238E27FC236}">
+                <a16:creationId xmlns:a16="http://schemas.microsoft.com/office/drawing/2014/main" id="{BB275CB2-1392-2545-9479-1855236A30D0}"/>
+              </a:ext>
+            </a:extLst>
+          </p:cNvPr>
+          <p:cNvSpPr txBox="1"/>
+          <p:nvPr/>
+        </p:nvSpPr>
+        <p:spPr>
+          <a:xfrm>
+            <a:off x="6861174" y="6243973"/>
+            <a:ext cx="5164240" cy="415498"/>
+          </a:xfrm>
+          <a:prstGeom prst="rect">
+            <a:avLst/>
+          </a:prstGeom>
+          <a:noFill/>
+        </p:spPr>
+        <p:txBody>
+          <a:bodyPr wrap="square" rtlCol="0">
+            <a:spAutoFit/>
+          </a:bodyPr>
+          <a:lstStyle/>
+          <a:p>
+            <a:pPr algn="ctr"/>
+            <a:r>
+              <a:rPr lang="en-US" sz="1050" dirty="0"/>
+              <a:t>Total movies in each genre for country selected in dropdown</a:t>
+            </a:r>
+          </a:p>
+          <a:p>
+            <a:pPr algn="ctr"/>
+            <a:r>
+              <a:rPr lang="en-US" sz="1050" i="1" dirty="0"/>
+              <a:t>Flask </a:t>
+            </a:r>
+            <a:r>
+              <a:rPr lang="en-US" sz="1050" i="1" dirty="0" err="1"/>
+              <a:t>api</a:t>
+            </a:r>
+            <a:r>
+              <a:rPr lang="en-US" sz="1050" i="1" dirty="0"/>
+              <a:t> route (“/country/&lt;name&gt;”) used to query for the data grouped by genre</a:t>
+            </a:r>
+            <a:endParaRPr lang="en-US" sz="900" i="1" dirty="0"/>
           </a:p>
         </p:txBody>
       </p:sp>

--- a/Movie Guru.pptx
+++ b/Movie Guru.pptx
@@ -4,12 +4,15 @@
   <p:sldMasterIdLst>
     <p:sldMasterId id="2147483673" r:id="rId1"/>
   </p:sldMasterIdLst>
+  <p:notesMasterIdLst>
+    <p:notesMasterId r:id="rId9"/>
+  </p:notesMasterIdLst>
   <p:sldIdLst>
     <p:sldId id="256" r:id="rId2"/>
-    <p:sldId id="257" r:id="rId3"/>
-    <p:sldId id="258" r:id="rId4"/>
-    <p:sldId id="259" r:id="rId5"/>
-    <p:sldId id="261" r:id="rId6"/>
+    <p:sldId id="263" r:id="rId3"/>
+    <p:sldId id="265" r:id="rId4"/>
+    <p:sldId id="264" r:id="rId5"/>
+    <p:sldId id="266" r:id="rId6"/>
     <p:sldId id="260" r:id="rId7"/>
     <p:sldId id="262" r:id="rId8"/>
   </p:sldIdLst>
@@ -120,7 +123,7 @@
 
 <file path=ppt/commentAuthors.xml><?xml version="1.0" encoding="utf-8"?>
 <p:cmAuthorLst xmlns:a="http://schemas.openxmlformats.org/drawingml/2006/main" xmlns:r="http://schemas.openxmlformats.org/officeDocument/2006/relationships" xmlns:p="http://schemas.openxmlformats.org/presentationml/2006/main">
-  <p:cmAuthor id="1" name="Ali Karimi" initials="AK" lastIdx="1" clrIdx="0">
+  <p:cmAuthor id="1" name="Ali Karimi" initials="AK" lastIdx="2" clrIdx="0">
     <p:extLst>
       <p:ext uri="{19B8F6BF-5375-455C-9EA6-DF929625EA0E}">
         <p15:presenceInfo xmlns:p15="http://schemas.microsoft.com/office/powerpoint/2012/main" userId="Ali Karimi" providerId="None"/>
@@ -132,7 +135,7 @@
 
 <file path=ppt/comments/comment1.xml><?xml version="1.0" encoding="utf-8"?>
 <p:cmLst xmlns:a="http://schemas.openxmlformats.org/drawingml/2006/main" xmlns:r="http://schemas.openxmlformats.org/officeDocument/2006/relationships" xmlns:p="http://schemas.openxmlformats.org/presentationml/2006/main">
-  <p:cm authorId="1" dt="2021-08-15T10:33:08.855" idx="1">
+  <p:cm authorId="1" dt="2021-08-15T10:33:08.855" idx="2">
     <p:pos x="10" y="10"/>
     <p:text/>
     <p:extLst>
@@ -142,6 +145,355 @@
     </p:extLst>
   </p:cm>
 </p:cmLst>
+</file>
+
+<file path=ppt/notesMasters/notesMaster1.xml><?xml version="1.0" encoding="utf-8"?>
+<p:notesMaster xmlns:a="http://schemas.openxmlformats.org/drawingml/2006/main" xmlns:r="http://schemas.openxmlformats.org/officeDocument/2006/relationships" xmlns:p="http://schemas.openxmlformats.org/presentationml/2006/main">
+  <p:cSld>
+    <p:bg>
+      <p:bgRef idx="1001">
+        <a:schemeClr val="bg1"/>
+      </p:bgRef>
+    </p:bg>
+    <p:spTree>
+      <p:nvGrpSpPr>
+        <p:cNvPr id="1" name=""/>
+        <p:cNvGrpSpPr/>
+        <p:nvPr/>
+      </p:nvGrpSpPr>
+      <p:grpSpPr>
+        <a:xfrm>
+          <a:off x="0" y="0"/>
+          <a:ext cx="0" cy="0"/>
+          <a:chOff x="0" y="0"/>
+          <a:chExt cx="0" cy="0"/>
+        </a:xfrm>
+      </p:grpSpPr>
+      <p:sp>
+        <p:nvSpPr>
+          <p:cNvPr id="2" name="Header Placeholder 1"/>
+          <p:cNvSpPr>
+            <a:spLocks noGrp="1"/>
+          </p:cNvSpPr>
+          <p:nvPr>
+            <p:ph type="hdr" sz="quarter"/>
+          </p:nvPr>
+        </p:nvSpPr>
+        <p:spPr>
+          <a:xfrm>
+            <a:off x="0" y="0"/>
+            <a:ext cx="2971800" cy="458788"/>
+          </a:xfrm>
+          <a:prstGeom prst="rect">
+            <a:avLst/>
+          </a:prstGeom>
+        </p:spPr>
+        <p:txBody>
+          <a:bodyPr vert="horz" lIns="91440" tIns="45720" rIns="91440" bIns="45720" rtlCol="0"/>
+          <a:lstStyle>
+            <a:lvl1pPr algn="l">
+              <a:defRPr sz="1200"/>
+            </a:lvl1pPr>
+          </a:lstStyle>
+          <a:p>
+            <a:endParaRPr lang="en-US"/>
+          </a:p>
+        </p:txBody>
+      </p:sp>
+      <p:sp>
+        <p:nvSpPr>
+          <p:cNvPr id="3" name="Date Placeholder 2"/>
+          <p:cNvSpPr>
+            <a:spLocks noGrp="1"/>
+          </p:cNvSpPr>
+          <p:nvPr>
+            <p:ph type="dt" idx="1"/>
+          </p:nvPr>
+        </p:nvSpPr>
+        <p:spPr>
+          <a:xfrm>
+            <a:off x="3884613" y="0"/>
+            <a:ext cx="2971800" cy="458788"/>
+          </a:xfrm>
+          <a:prstGeom prst="rect">
+            <a:avLst/>
+          </a:prstGeom>
+        </p:spPr>
+        <p:txBody>
+          <a:bodyPr vert="horz" lIns="91440" tIns="45720" rIns="91440" bIns="45720" rtlCol="0"/>
+          <a:lstStyle>
+            <a:lvl1pPr algn="r">
+              <a:defRPr sz="1200"/>
+            </a:lvl1pPr>
+          </a:lstStyle>
+          <a:p>
+            <a:fld id="{54788375-44CB-3247-94CD-E4D1BECA1B3C}" type="datetimeFigureOut">
+              <a:rPr lang="en-US" smtClean="0"/>
+              <a:t>8/15/21</a:t>
+            </a:fld>
+            <a:endParaRPr lang="en-US"/>
+          </a:p>
+        </p:txBody>
+      </p:sp>
+      <p:sp>
+        <p:nvSpPr>
+          <p:cNvPr id="4" name="Slide Image Placeholder 3"/>
+          <p:cNvSpPr>
+            <a:spLocks noGrp="1" noRot="1" noChangeAspect="1"/>
+          </p:cNvSpPr>
+          <p:nvPr>
+            <p:ph type="sldImg" idx="2"/>
+          </p:nvPr>
+        </p:nvSpPr>
+        <p:spPr>
+          <a:xfrm>
+            <a:off x="685800" y="1143000"/>
+            <a:ext cx="5486400" cy="3086100"/>
+          </a:xfrm>
+          <a:prstGeom prst="rect">
+            <a:avLst/>
+          </a:prstGeom>
+          <a:noFill/>
+          <a:ln w="12700">
+            <a:solidFill>
+              <a:prstClr val="black"/>
+            </a:solidFill>
+          </a:ln>
+        </p:spPr>
+        <p:txBody>
+          <a:bodyPr vert="horz" lIns="91440" tIns="45720" rIns="91440" bIns="45720" rtlCol="0" anchor="ctr"/>
+          <a:lstStyle/>
+          <a:p>
+            <a:endParaRPr lang="en-US"/>
+          </a:p>
+        </p:txBody>
+      </p:sp>
+      <p:sp>
+        <p:nvSpPr>
+          <p:cNvPr id="5" name="Notes Placeholder 4"/>
+          <p:cNvSpPr>
+            <a:spLocks noGrp="1"/>
+          </p:cNvSpPr>
+          <p:nvPr>
+            <p:ph type="body" sz="quarter" idx="3"/>
+          </p:nvPr>
+        </p:nvSpPr>
+        <p:spPr>
+          <a:xfrm>
+            <a:off x="685800" y="4400550"/>
+            <a:ext cx="5486400" cy="3600450"/>
+          </a:xfrm>
+          <a:prstGeom prst="rect">
+            <a:avLst/>
+          </a:prstGeom>
+        </p:spPr>
+        <p:txBody>
+          <a:bodyPr vert="horz" lIns="91440" tIns="45720" rIns="91440" bIns="45720" rtlCol="0"/>
+          <a:lstStyle/>
+          <a:p>
+            <a:pPr lvl="0"/>
+            <a:r>
+              <a:rPr lang="en-US"/>
+              <a:t>Click to edit Master text styles</a:t>
+            </a:r>
+          </a:p>
+          <a:p>
+            <a:pPr lvl="1"/>
+            <a:r>
+              <a:rPr lang="en-US"/>
+              <a:t>Second level</a:t>
+            </a:r>
+          </a:p>
+          <a:p>
+            <a:pPr lvl="2"/>
+            <a:r>
+              <a:rPr lang="en-US"/>
+              <a:t>Third level</a:t>
+            </a:r>
+          </a:p>
+          <a:p>
+            <a:pPr lvl="3"/>
+            <a:r>
+              <a:rPr lang="en-US"/>
+              <a:t>Fourth level</a:t>
+            </a:r>
+          </a:p>
+          <a:p>
+            <a:pPr lvl="4"/>
+            <a:r>
+              <a:rPr lang="en-US"/>
+              <a:t>Fifth level</a:t>
+            </a:r>
+          </a:p>
+        </p:txBody>
+      </p:sp>
+      <p:sp>
+        <p:nvSpPr>
+          <p:cNvPr id="6" name="Footer Placeholder 5"/>
+          <p:cNvSpPr>
+            <a:spLocks noGrp="1"/>
+          </p:cNvSpPr>
+          <p:nvPr>
+            <p:ph type="ftr" sz="quarter" idx="4"/>
+          </p:nvPr>
+        </p:nvSpPr>
+        <p:spPr>
+          <a:xfrm>
+            <a:off x="0" y="8685213"/>
+            <a:ext cx="2971800" cy="458787"/>
+          </a:xfrm>
+          <a:prstGeom prst="rect">
+            <a:avLst/>
+          </a:prstGeom>
+        </p:spPr>
+        <p:txBody>
+          <a:bodyPr vert="horz" lIns="91440" tIns="45720" rIns="91440" bIns="45720" rtlCol="0" anchor="b"/>
+          <a:lstStyle>
+            <a:lvl1pPr algn="l">
+              <a:defRPr sz="1200"/>
+            </a:lvl1pPr>
+          </a:lstStyle>
+          <a:p>
+            <a:endParaRPr lang="en-US"/>
+          </a:p>
+        </p:txBody>
+      </p:sp>
+      <p:sp>
+        <p:nvSpPr>
+          <p:cNvPr id="7" name="Slide Number Placeholder 6"/>
+          <p:cNvSpPr>
+            <a:spLocks noGrp="1"/>
+          </p:cNvSpPr>
+          <p:nvPr>
+            <p:ph type="sldNum" sz="quarter" idx="5"/>
+          </p:nvPr>
+        </p:nvSpPr>
+        <p:spPr>
+          <a:xfrm>
+            <a:off x="3884613" y="8685213"/>
+            <a:ext cx="2971800" cy="458787"/>
+          </a:xfrm>
+          <a:prstGeom prst="rect">
+            <a:avLst/>
+          </a:prstGeom>
+        </p:spPr>
+        <p:txBody>
+          <a:bodyPr vert="horz" lIns="91440" tIns="45720" rIns="91440" bIns="45720" rtlCol="0" anchor="b"/>
+          <a:lstStyle>
+            <a:lvl1pPr algn="r">
+              <a:defRPr sz="1200"/>
+            </a:lvl1pPr>
+          </a:lstStyle>
+          <a:p>
+            <a:fld id="{6849692F-1DD1-A348-AD63-013821506EA5}" type="slidenum">
+              <a:rPr lang="en-US" smtClean="0"/>
+              <a:t>‹#›</a:t>
+            </a:fld>
+            <a:endParaRPr lang="en-US"/>
+          </a:p>
+        </p:txBody>
+      </p:sp>
+    </p:spTree>
+    <p:extLst>
+      <p:ext uri="{BB962C8B-B14F-4D97-AF65-F5344CB8AC3E}">
+        <p14:creationId xmlns:p14="http://schemas.microsoft.com/office/powerpoint/2010/main" val="2446272253"/>
+      </p:ext>
+    </p:extLst>
+  </p:cSld>
+  <p:clrMap bg1="lt1" tx1="dk1" bg2="lt2" tx2="dk2" accent1="accent1" accent2="accent2" accent3="accent3" accent4="accent4" accent5="accent5" accent6="accent6" hlink="hlink" folHlink="folHlink"/>
+  <p:notesStyle>
+    <a:lvl1pPr marL="0" algn="l" defTabSz="914400" rtl="0" eaLnBrk="1" latinLnBrk="0" hangingPunct="1">
+      <a:defRPr sz="1200" kern="1200">
+        <a:solidFill>
+          <a:schemeClr val="tx1"/>
+        </a:solidFill>
+        <a:latin typeface="+mn-lt"/>
+        <a:ea typeface="+mn-ea"/>
+        <a:cs typeface="+mn-cs"/>
+      </a:defRPr>
+    </a:lvl1pPr>
+    <a:lvl2pPr marL="457200" algn="l" defTabSz="914400" rtl="0" eaLnBrk="1" latinLnBrk="0" hangingPunct="1">
+      <a:defRPr sz="1200" kern="1200">
+        <a:solidFill>
+          <a:schemeClr val="tx1"/>
+        </a:solidFill>
+        <a:latin typeface="+mn-lt"/>
+        <a:ea typeface="+mn-ea"/>
+        <a:cs typeface="+mn-cs"/>
+      </a:defRPr>
+    </a:lvl2pPr>
+    <a:lvl3pPr marL="914400" algn="l" defTabSz="914400" rtl="0" eaLnBrk="1" latinLnBrk="0" hangingPunct="1">
+      <a:defRPr sz="1200" kern="1200">
+        <a:solidFill>
+          <a:schemeClr val="tx1"/>
+        </a:solidFill>
+        <a:latin typeface="+mn-lt"/>
+        <a:ea typeface="+mn-ea"/>
+        <a:cs typeface="+mn-cs"/>
+      </a:defRPr>
+    </a:lvl3pPr>
+    <a:lvl4pPr marL="1371600" algn="l" defTabSz="914400" rtl="0" eaLnBrk="1" latinLnBrk="0" hangingPunct="1">
+      <a:defRPr sz="1200" kern="1200">
+        <a:solidFill>
+          <a:schemeClr val="tx1"/>
+        </a:solidFill>
+        <a:latin typeface="+mn-lt"/>
+        <a:ea typeface="+mn-ea"/>
+        <a:cs typeface="+mn-cs"/>
+      </a:defRPr>
+    </a:lvl4pPr>
+    <a:lvl5pPr marL="1828800" algn="l" defTabSz="914400" rtl="0" eaLnBrk="1" latinLnBrk="0" hangingPunct="1">
+      <a:defRPr sz="1200" kern="1200">
+        <a:solidFill>
+          <a:schemeClr val="tx1"/>
+        </a:solidFill>
+        <a:latin typeface="+mn-lt"/>
+        <a:ea typeface="+mn-ea"/>
+        <a:cs typeface="+mn-cs"/>
+      </a:defRPr>
+    </a:lvl5pPr>
+    <a:lvl6pPr marL="2286000" algn="l" defTabSz="914400" rtl="0" eaLnBrk="1" latinLnBrk="0" hangingPunct="1">
+      <a:defRPr sz="1200" kern="1200">
+        <a:solidFill>
+          <a:schemeClr val="tx1"/>
+        </a:solidFill>
+        <a:latin typeface="+mn-lt"/>
+        <a:ea typeface="+mn-ea"/>
+        <a:cs typeface="+mn-cs"/>
+      </a:defRPr>
+    </a:lvl6pPr>
+    <a:lvl7pPr marL="2743200" algn="l" defTabSz="914400" rtl="0" eaLnBrk="1" latinLnBrk="0" hangingPunct="1">
+      <a:defRPr sz="1200" kern="1200">
+        <a:solidFill>
+          <a:schemeClr val="tx1"/>
+        </a:solidFill>
+        <a:latin typeface="+mn-lt"/>
+        <a:ea typeface="+mn-ea"/>
+        <a:cs typeface="+mn-cs"/>
+      </a:defRPr>
+    </a:lvl7pPr>
+    <a:lvl8pPr marL="3200400" algn="l" defTabSz="914400" rtl="0" eaLnBrk="1" latinLnBrk="0" hangingPunct="1">
+      <a:defRPr sz="1200" kern="1200">
+        <a:solidFill>
+          <a:schemeClr val="tx1"/>
+        </a:solidFill>
+        <a:latin typeface="+mn-lt"/>
+        <a:ea typeface="+mn-ea"/>
+        <a:cs typeface="+mn-cs"/>
+      </a:defRPr>
+    </a:lvl8pPr>
+    <a:lvl9pPr marL="3657600" algn="l" defTabSz="914400" rtl="0" eaLnBrk="1" latinLnBrk="0" hangingPunct="1">
+      <a:defRPr sz="1200" kern="1200">
+        <a:solidFill>
+          <a:schemeClr val="tx1"/>
+        </a:solidFill>
+        <a:latin typeface="+mn-lt"/>
+        <a:ea typeface="+mn-ea"/>
+        <a:cs typeface="+mn-cs"/>
+      </a:defRPr>
+    </a:lvl9pPr>
+  </p:notesStyle>
+</p:notesMaster>
 </file>
 
 <file path=ppt/slideLayouts/slideLayout1.xml><?xml version="1.0" encoding="utf-8"?>
@@ -380,7 +732,7 @@
           <a:bodyPr/>
           <a:lstStyle/>
           <a:p>
-            <a:fld id="{ED291B17-9318-49DB-B28B-6E5994AE9581}" type="datetime1">
+            <a:fld id="{B8A68F0B-36EA-FD48-9365-71FE7D543ED4}" type="datetime1">
               <a:rPr lang="en-US" smtClean="0"/>
               <a:t>8/15/21</a:t>
             </a:fld>
@@ -583,7 +935,7 @@
           <a:bodyPr/>
           <a:lstStyle/>
           <a:p>
-            <a:fld id="{2CED4963-E985-44C4-B8C4-FDD613B7C2F8}" type="datetime1">
+            <a:fld id="{3ADDC197-0D0A-6141-9C0D-2832BFC4CE75}" type="datetime1">
               <a:rPr lang="en-US" smtClean="0"/>
               <a:t>8/15/21</a:t>
             </a:fld>
@@ -945,7 +1297,7 @@
           <a:bodyPr/>
           <a:lstStyle/>
           <a:p>
-            <a:fld id="{ED291B17-9318-49DB-B28B-6E5994AE9581}" type="datetime1">
+            <a:fld id="{1FF09437-95FF-A344-BCBF-97C2CBF55DD8}" type="datetime1">
               <a:rPr lang="en-US" smtClean="0"/>
               <a:t>8/15/21</a:t>
             </a:fld>
@@ -1143,7 +1495,7 @@
           <a:bodyPr/>
           <a:lstStyle/>
           <a:p>
-            <a:fld id="{78DD82B9-B8EE-4375-B6FF-88FA6ABB15D9}" type="datetime1">
+            <a:fld id="{D0AACD92-0C01-C54C-BEBE-55D5EF77E415}" type="datetime1">
               <a:rPr lang="en-US" smtClean="0"/>
               <a:t>8/15/21</a:t>
             </a:fld>
@@ -1455,7 +1807,7 @@
           <a:bodyPr/>
           <a:lstStyle/>
           <a:p>
-            <a:fld id="{B2497495-0637-405E-AE64-5CC7506D51F5}" type="datetime1">
+            <a:fld id="{AE46252E-03D4-A240-BABE-992977EBDEE5}" type="datetime1">
               <a:rPr lang="en-US" smtClean="0"/>
               <a:t>8/15/21</a:t>
             </a:fld>
@@ -1708,7 +2060,7 @@
           <a:bodyPr/>
           <a:lstStyle/>
           <a:p>
-            <a:fld id="{7BFFD690-9426-415D-8B65-26881E07B2D4}" type="datetime1">
+            <a:fld id="{E9B0B173-CDDA-5E45-96EC-1E6F9E7EDFCE}" type="datetime1">
               <a:rPr lang="en-US" smtClean="0"/>
               <a:t>8/15/21</a:t>
             </a:fld>
@@ -2130,7 +2482,7 @@
           <a:bodyPr/>
           <a:lstStyle/>
           <a:p>
-            <a:fld id="{04C4989A-474C-40DE-95B9-011C28B71673}" type="datetime1">
+            <a:fld id="{BA22CF18-F4F3-844E-B7C6-F0D68CFCB572}" type="datetime1">
               <a:rPr lang="en-US" smtClean="0"/>
               <a:t>8/15/21</a:t>
             </a:fld>
@@ -2253,7 +2605,7 @@
           <a:bodyPr/>
           <a:lstStyle/>
           <a:p>
-            <a:fld id="{5DB4ED54-5B5E-4A04-93D3-5772E3CE3818}" type="datetime1">
+            <a:fld id="{184ECDD8-5E36-3B41-BAD7-75AFBE24C7F3}" type="datetime1">
               <a:rPr lang="en-US" smtClean="0"/>
               <a:t>8/15/21</a:t>
             </a:fld>
@@ -2348,7 +2700,7 @@
           <a:bodyPr/>
           <a:lstStyle/>
           <a:p>
-            <a:fld id="{4EDE50D6-574B-40AF-946F-D52A04ADE379}" type="datetime1">
+            <a:fld id="{C8464CC7-4F19-6E4E-8E9F-CCA24A933952}" type="datetime1">
               <a:rPr lang="en-US" smtClean="0"/>
               <a:t>8/15/21</a:t>
             </a:fld>
@@ -2725,7 +3077,7 @@
           <a:bodyPr/>
           <a:lstStyle/>
           <a:p>
-            <a:fld id="{D82884F1-FFEA-405F-9602-3DCA865EDA4E}" type="datetime1">
+            <a:fld id="{E9E4DCBF-5D42-F644-83DA-195215DCFF73}" type="datetime1">
               <a:rPr lang="en-US" smtClean="0"/>
               <a:t>8/15/21</a:t>
             </a:fld>
@@ -3018,7 +3370,7 @@
           <a:bodyPr/>
           <a:lstStyle/>
           <a:p>
-            <a:fld id="{7E18DB4A-8810-4A10-AD5C-D5E2C667F5B3}" type="datetime1">
+            <a:fld id="{7754AB9F-2145-2643-876A-49E5A01B301E}" type="datetime1">
               <a:rPr lang="en-US" smtClean="0"/>
               <a:t>8/15/21</a:t>
             </a:fld>
@@ -3233,7 +3585,7 @@
             </a:lvl1pPr>
           </a:lstStyle>
           <a:p>
-            <a:fld id="{ED291B17-9318-49DB-B28B-6E5994AE9581}" type="datetime1">
+            <a:fld id="{C67DA9E9-774E-F64F-9167-10EBDCB4CAE4}" type="datetime1">
               <a:rPr lang="en-US" smtClean="0"/>
               <a:t>8/15/21</a:t>
             </a:fld>
@@ -3453,7 +3805,7 @@
     <p:sldLayoutId id="2147483665" r:id="rId10"/>
     <p:sldLayoutId id="2147483667" r:id="rId11"/>
   </p:sldLayoutIdLst>
-  <p:hf sldNum="0" hdr="0" ftr="0" dt="0"/>
+  <p:hf hdr="0" ftr="0" dt="0"/>
   <p:txStyles>
     <p:titleStyle>
       <a:lvl1pPr algn="l" defTabSz="457200" rtl="0" eaLnBrk="1" latinLnBrk="0" hangingPunct="1">
@@ -4183,7 +4535,7 @@
                   </a:srgbClr>
                 </a:solidFill>
               </a:rPr>
-              <a:t>(Ophelia, Jucary, Mohan, Dalton, Ali)</a:t>
+              <a:t>Ophelia, Jucary, Mohan, Dalton, Ali</a:t>
             </a:r>
           </a:p>
           <a:p>
@@ -4208,6 +4560,35 @@
                 </a:srgbClr>
               </a:solidFill>
             </a:endParaRPr>
+          </a:p>
+        </p:txBody>
+      </p:sp>
+      <p:sp>
+        <p:nvSpPr>
+          <p:cNvPr id="5" name="Slide Number Placeholder 4">
+            <a:extLst>
+              <a:ext uri="{FF2B5EF4-FFF2-40B4-BE49-F238E27FC236}">
+                <a16:creationId xmlns:a16="http://schemas.microsoft.com/office/drawing/2014/main" id="{3EAD4A0B-DE67-AE4D-B16B-99A7509E17E3}"/>
+              </a:ext>
+            </a:extLst>
+          </p:cNvPr>
+          <p:cNvSpPr>
+            <a:spLocks noGrp="1"/>
+          </p:cNvSpPr>
+          <p:nvPr>
+            <p:ph type="sldNum" sz="quarter" idx="12"/>
+          </p:nvPr>
+        </p:nvSpPr>
+        <p:spPr/>
+        <p:txBody>
+          <a:bodyPr/>
+          <a:lstStyle/>
+          <a:p>
+            <a:fld id="{3A98EE3D-8CD1-4C3F-BD1C-C98C9596463C}" type="slidenum">
+              <a:rPr lang="en-US" smtClean="0"/>
+              <a:t>1</a:t>
+            </a:fld>
+            <a:endParaRPr lang="en-US" dirty="0"/>
           </a:p>
         </p:txBody>
       </p:sp>
@@ -4512,7 +4893,7 @@
           <a:lstStyle/>
           <a:p>
             <a:r>
-              <a:rPr lang="en-US" dirty="0"/>
+              <a:rPr lang="en-US" b="1" dirty="0"/>
               <a:t>Description</a:t>
             </a:r>
           </a:p>
@@ -4534,7 +4915,12 @@
             <p:ph idx="1"/>
           </p:nvPr>
         </p:nvSpPr>
-        <p:spPr/>
+        <p:spPr>
+          <a:xfrm>
+            <a:off x="581193" y="4204386"/>
+            <a:ext cx="11029615" cy="2342315"/>
+          </a:xfrm>
+        </p:spPr>
         <p:txBody>
           <a:bodyPr/>
           <a:lstStyle/>
@@ -4545,7 +4931,7 @@
             </a:pPr>
             <a:r>
               <a:rPr lang="en-US" dirty="0"/>
-              <a:t>Several scenarios and stories discussed such as internet band width in different states , we choose IMDB data source from Kaggle.com to explore : </a:t>
+              <a:t>Several project ideas and stories discussed such as internet band width in different states; finally, we chose IMDB data source from Kaggle.com to explore : </a:t>
             </a:r>
           </a:p>
           <a:p>
@@ -4554,7 +4940,7 @@
             </a:pPr>
             <a:r>
               <a:rPr lang="en-US" dirty="0"/>
-              <a:t>	- number of film in different genre in each country </a:t>
+              <a:t>		- allocate the no. of movies produced in each country on the map. </a:t>
             </a:r>
           </a:p>
           <a:p>
@@ -4563,7 +4949,7 @@
             </a:pPr>
             <a:r>
               <a:rPr lang="en-US" dirty="0"/>
-              <a:t>	- allocate the no of movies produce in each country on the map. </a:t>
+              <a:t>		- average rating of each genre in different countries </a:t>
             </a:r>
           </a:p>
           <a:p>
@@ -4572,15 +4958,83 @@
             </a:pPr>
             <a:r>
               <a:rPr lang="en-US" dirty="0"/>
-              <a:t>	- average rating of each genre in different countries.   </a:t>
-            </a:r>
+              <a:t>		- number of films in different genre in each country </a:t>
+            </a:r>
+          </a:p>
+          <a:p>
+            <a:pPr marL="0" indent="0">
+              <a:buNone/>
+            </a:pPr>
+            <a:r>
+              <a:rPr lang="en-US" dirty="0"/>
+              <a:t>	</a:t>
+            </a:r>
+          </a:p>
+        </p:txBody>
+      </p:sp>
+      <p:pic>
+        <p:nvPicPr>
+          <p:cNvPr id="9" name="Picture 8" descr="Graphical user interface, text, website&#10;&#10;Description automatically generated">
+            <a:extLst>
+              <a:ext uri="{FF2B5EF4-FFF2-40B4-BE49-F238E27FC236}">
+                <a16:creationId xmlns:a16="http://schemas.microsoft.com/office/drawing/2014/main" id="{8870B6A8-FD60-473D-825A-8A33106EE20A}"/>
+              </a:ext>
+            </a:extLst>
+          </p:cNvPr>
+          <p:cNvPicPr>
+            <a:picLocks noChangeAspect="1"/>
+          </p:cNvPicPr>
+          <p:nvPr/>
+        </p:nvPicPr>
+        <p:blipFill>
+          <a:blip r:embed="rId2"/>
+          <a:stretch>
+            <a:fillRect/>
+          </a:stretch>
+        </p:blipFill>
+        <p:spPr>
+          <a:xfrm>
+            <a:off x="3555605" y="791438"/>
+            <a:ext cx="8055203" cy="3263444"/>
+          </a:xfrm>
+          <a:prstGeom prst="rect">
+            <a:avLst/>
+          </a:prstGeom>
+        </p:spPr>
+      </p:pic>
+      <p:sp>
+        <p:nvSpPr>
+          <p:cNvPr id="4" name="Slide Number Placeholder 3">
+            <a:extLst>
+              <a:ext uri="{FF2B5EF4-FFF2-40B4-BE49-F238E27FC236}">
+                <a16:creationId xmlns:a16="http://schemas.microsoft.com/office/drawing/2014/main" id="{93380E68-DFDA-194C-B00E-18E99D8B6B7F}"/>
+              </a:ext>
+            </a:extLst>
+          </p:cNvPr>
+          <p:cNvSpPr>
+            <a:spLocks noGrp="1"/>
+          </p:cNvSpPr>
+          <p:nvPr>
+            <p:ph type="sldNum" sz="quarter" idx="12"/>
+          </p:nvPr>
+        </p:nvSpPr>
+        <p:spPr/>
+        <p:txBody>
+          <a:bodyPr/>
+          <a:lstStyle/>
+          <a:p>
+            <a:fld id="{3A98EE3D-8CD1-4C3F-BD1C-C98C9596463C}" type="slidenum">
+              <a:rPr lang="en-US" smtClean="0"/>
+              <a:t>2</a:t>
+            </a:fld>
+            <a:endParaRPr lang="en-US" dirty="0"/>
           </a:p>
         </p:txBody>
       </p:sp>
     </p:spTree>
     <p:extLst>
       <p:ext uri="{BB962C8B-B14F-4D97-AF65-F5344CB8AC3E}">
-        <p14:creationId xmlns:p14="http://schemas.microsoft.com/office/powerpoint/2010/main" val="829766537"/>
+        <p14:creationId xmlns:p14="http://schemas.microsoft.com/office/powerpoint/2010/main" val="232019857"/>
       </p:ext>
     </p:extLst>
   </p:cSld>
@@ -4612,7 +5066,7 @@
           <p:cNvPr id="2" name="Title 1">
             <a:extLst>
               <a:ext uri="{FF2B5EF4-FFF2-40B4-BE49-F238E27FC236}">
-                <a16:creationId xmlns:a16="http://schemas.microsoft.com/office/drawing/2014/main" id="{50235141-8B84-4024-8193-7DEF87EF592B}"/>
+                <a16:creationId xmlns:a16="http://schemas.microsoft.com/office/drawing/2014/main" id="{A69BEEC9-2757-4EAA-ACF0-265AB23F41B4}"/>
               </a:ext>
             </a:extLst>
           </p:cNvPr>
@@ -4629,386 +5083,284 @@
           <a:lstStyle/>
           <a:p>
             <a:r>
-              <a:rPr lang="en-US" dirty="0"/>
-              <a:t>Flow chart </a:t>
-            </a:r>
-          </a:p>
-        </p:txBody>
-      </p:sp>
-      <p:sp>
-        <p:nvSpPr>
-          <p:cNvPr id="4" name="Rectangle 3">
+              <a:rPr lang="en-US" b="1" dirty="0"/>
+              <a:t>ETL</a:t>
+            </a:r>
+          </a:p>
+        </p:txBody>
+      </p:sp>
+      <p:pic>
+        <p:nvPicPr>
+          <p:cNvPr id="5" name="Content Placeholder 4">
             <a:extLst>
               <a:ext uri="{FF2B5EF4-FFF2-40B4-BE49-F238E27FC236}">
-                <a16:creationId xmlns:a16="http://schemas.microsoft.com/office/drawing/2014/main" id="{9243C10C-DD58-411C-9925-CC4233425043}"/>
+                <a16:creationId xmlns:a16="http://schemas.microsoft.com/office/drawing/2014/main" id="{3277415C-DBA6-4B5C-A7DB-97024CD460AF}"/>
               </a:ext>
             </a:extLst>
           </p:cNvPr>
-          <p:cNvSpPr/>
+          <p:cNvPicPr>
+            <a:picLocks noGrp="1" noChangeAspect="1"/>
+          </p:cNvPicPr>
+          <p:nvPr>
+            <p:ph idx="1"/>
+          </p:nvPr>
+        </p:nvPicPr>
+        <p:blipFill>
+          <a:blip r:embed="rId2"/>
+          <a:stretch>
+            <a:fillRect/>
+          </a:stretch>
+        </p:blipFill>
+        <p:spPr>
+          <a:xfrm>
+            <a:off x="7580253" y="5785575"/>
+            <a:ext cx="630904" cy="630904"/>
+          </a:xfrm>
+          <a:prstGeom prst="rect">
+            <a:avLst/>
+          </a:prstGeom>
+        </p:spPr>
+      </p:pic>
+      <p:pic>
+        <p:nvPicPr>
+          <p:cNvPr id="6" name="Picture 5">
+            <a:extLst>
+              <a:ext uri="{FF2B5EF4-FFF2-40B4-BE49-F238E27FC236}">
+                <a16:creationId xmlns:a16="http://schemas.microsoft.com/office/drawing/2014/main" id="{C0473C1A-743C-4F9F-BC32-27C19E3D3BCD}"/>
+              </a:ext>
+            </a:extLst>
+          </p:cNvPr>
+          <p:cNvPicPr>
+            <a:picLocks noChangeAspect="1"/>
+          </p:cNvPicPr>
           <p:nvPr/>
-        </p:nvSpPr>
-        <p:spPr>
-          <a:xfrm>
-            <a:off x="1204546" y="2681654"/>
-            <a:ext cx="1195754" cy="707781"/>
+        </p:nvPicPr>
+        <p:blipFill>
+          <a:blip r:embed="rId3"/>
+          <a:stretch>
+            <a:fillRect/>
+          </a:stretch>
+        </p:blipFill>
+        <p:spPr>
+          <a:xfrm>
+            <a:off x="10212273" y="5785575"/>
+            <a:ext cx="1336423" cy="668212"/>
+          </a:xfrm>
+          <a:prstGeom prst="rect">
+            <a:avLst/>
+          </a:prstGeom>
+        </p:spPr>
+      </p:pic>
+      <p:pic>
+        <p:nvPicPr>
+          <p:cNvPr id="7" name="Picture 6">
+            <a:extLst>
+              <a:ext uri="{FF2B5EF4-FFF2-40B4-BE49-F238E27FC236}">
+                <a16:creationId xmlns:a16="http://schemas.microsoft.com/office/drawing/2014/main" id="{A76AB9E7-402E-4518-BE34-619120B8CB43}"/>
+              </a:ext>
+            </a:extLst>
+          </p:cNvPr>
+          <p:cNvPicPr>
+            <a:picLocks noChangeAspect="1"/>
+          </p:cNvPicPr>
+          <p:nvPr/>
+        </p:nvPicPr>
+        <p:blipFill>
+          <a:blip r:embed="rId4"/>
+          <a:stretch>
+            <a:fillRect/>
+          </a:stretch>
+        </p:blipFill>
+        <p:spPr>
+          <a:xfrm>
+            <a:off x="8834734" y="5676816"/>
+            <a:ext cx="761288" cy="885729"/>
+          </a:xfrm>
+          <a:prstGeom prst="rect">
+            <a:avLst/>
+          </a:prstGeom>
+        </p:spPr>
+      </p:pic>
+      <p:sp>
+        <p:nvSpPr>
+          <p:cNvPr id="10" name="TextBox 9">
+            <a:extLst>
+              <a:ext uri="{FF2B5EF4-FFF2-40B4-BE49-F238E27FC236}">
+                <a16:creationId xmlns:a16="http://schemas.microsoft.com/office/drawing/2014/main" id="{FCFED215-2B28-43B8-BE84-2A9ED9187E4A}"/>
+              </a:ext>
+            </a:extLst>
+          </p:cNvPr>
+          <p:cNvSpPr txBox="1"/>
+          <p:nvPr/>
+        </p:nvSpPr>
+        <p:spPr>
+          <a:xfrm>
+            <a:off x="519314" y="3949615"/>
+            <a:ext cx="10706124" cy="2139047"/>
           </a:xfrm>
           <a:prstGeom prst="rect">
             <a:avLst/>
           </a:prstGeom>
           <a:noFill/>
         </p:spPr>
-        <p:style>
-          <a:lnRef idx="2">
-            <a:schemeClr val="accent1">
-              <a:shade val="50000"/>
-            </a:schemeClr>
-          </a:lnRef>
-          <a:fillRef idx="1">
-            <a:schemeClr val="accent1"/>
-          </a:fillRef>
-          <a:effectRef idx="0">
-            <a:schemeClr val="accent1"/>
-          </a:effectRef>
-          <a:fontRef idx="minor">
-            <a:schemeClr val="lt1"/>
-          </a:fontRef>
-        </p:style>
-        <p:txBody>
-          <a:bodyPr rtlCol="0" anchor="ctr"/>
+        <p:txBody>
+          <a:bodyPr wrap="square">
+            <a:spAutoFit/>
+          </a:bodyPr>
           <a:lstStyle/>
           <a:p>
-            <a:pPr algn="ctr"/>
-            <a:endParaRPr lang="en-US"/>
-          </a:p>
-        </p:txBody>
-      </p:sp>
-      <p:sp>
-        <p:nvSpPr>
-          <p:cNvPr id="6" name="Rectangle 5">
+            <a:pPr marL="171450" indent="-171450">
+              <a:spcAft>
+                <a:spcPts val="600"/>
+              </a:spcAft>
+              <a:buFontTx/>
+              <a:buChar char="-"/>
+            </a:pPr>
+            <a:r>
+              <a:rPr lang="en-US" sz="1800" dirty="0"/>
+              <a:t>Import data to Jupyter notebook</a:t>
+            </a:r>
+          </a:p>
+          <a:p>
+            <a:pPr marL="171450" indent="-171450">
+              <a:spcAft>
+                <a:spcPts val="600"/>
+              </a:spcAft>
+              <a:buFontTx/>
+              <a:buChar char="-"/>
+            </a:pPr>
+            <a:r>
+              <a:rPr lang="en-US" sz="1800" dirty="0"/>
+              <a:t>Merging different DB’s such IMDB films data with Latitude and Longitude of different countries. </a:t>
+            </a:r>
+          </a:p>
+          <a:p>
+            <a:pPr marL="171450" indent="-171450">
+              <a:spcAft>
+                <a:spcPts val="600"/>
+              </a:spcAft>
+              <a:buFontTx/>
+              <a:buChar char="-"/>
+            </a:pPr>
+            <a:r>
+              <a:rPr lang="en-US" sz="1800" dirty="0"/>
+              <a:t>Drop </a:t>
+            </a:r>
+            <a:r>
+              <a:rPr lang="en-US" dirty="0"/>
+              <a:t>columns and finding unique data , splitting cells strings to structure data source.</a:t>
+            </a:r>
+            <a:endParaRPr lang="en-US" sz="1800" dirty="0"/>
+          </a:p>
+          <a:p>
+            <a:pPr marL="171450" indent="-171450">
+              <a:spcAft>
+                <a:spcPts val="600"/>
+              </a:spcAft>
+              <a:buFontTx/>
+              <a:buChar char="-"/>
+            </a:pPr>
+            <a:r>
+              <a:rPr lang="en-US" sz="1800" dirty="0"/>
+              <a:t>Create database in </a:t>
+            </a:r>
+            <a:r>
+              <a:rPr lang="en-US" dirty="0"/>
+              <a:t>P</a:t>
+            </a:r>
+            <a:r>
+              <a:rPr lang="en-US" sz="1800" dirty="0"/>
+              <a:t>ostgreSQL and generate engine</a:t>
+            </a:r>
+          </a:p>
+          <a:p>
+            <a:pPr marL="171450" indent="-171450">
+              <a:spcAft>
+                <a:spcPts val="600"/>
+              </a:spcAft>
+              <a:buFontTx/>
+              <a:buChar char="-"/>
+            </a:pPr>
+            <a:r>
+              <a:rPr lang="en-US" sz="1800" dirty="0"/>
+              <a:t>ETL process complete</a:t>
+            </a:r>
+          </a:p>
+          <a:p>
+            <a:pPr marL="171450" indent="-171450">
+              <a:spcAft>
+                <a:spcPts val="600"/>
+              </a:spcAft>
+              <a:buFontTx/>
+              <a:buChar char="-"/>
+            </a:pPr>
+            <a:endParaRPr lang="en-US" sz="1800" dirty="0"/>
+          </a:p>
+        </p:txBody>
+      </p:sp>
+      <p:pic>
+        <p:nvPicPr>
+          <p:cNvPr id="11" name="Picture 10">
             <a:extLst>
               <a:ext uri="{FF2B5EF4-FFF2-40B4-BE49-F238E27FC236}">
-                <a16:creationId xmlns:a16="http://schemas.microsoft.com/office/drawing/2014/main" id="{A97AD815-253A-4AD3-BF26-4F9C9E4350CA}"/>
+                <a16:creationId xmlns:a16="http://schemas.microsoft.com/office/drawing/2014/main" id="{81CABE0B-157F-43CF-AD73-A76AF8A397EB}"/>
               </a:ext>
             </a:extLst>
           </p:cNvPr>
-          <p:cNvSpPr/>
+          <p:cNvPicPr>
+            <a:picLocks noChangeAspect="1"/>
+          </p:cNvPicPr>
           <p:nvPr/>
-        </p:nvSpPr>
-        <p:spPr>
-          <a:xfrm>
-            <a:off x="5571392" y="2705456"/>
-            <a:ext cx="1195754" cy="707781"/>
+        </p:nvPicPr>
+        <p:blipFill>
+          <a:blip r:embed="rId5"/>
+          <a:stretch>
+            <a:fillRect/>
+          </a:stretch>
+        </p:blipFill>
+        <p:spPr>
+          <a:xfrm>
+            <a:off x="2396061" y="903602"/>
+            <a:ext cx="9214747" cy="2726844"/>
           </a:xfrm>
           <a:prstGeom prst="rect">
             <a:avLst/>
           </a:prstGeom>
-          <a:noFill/>
-        </p:spPr>
-        <p:style>
-          <a:lnRef idx="2">
-            <a:schemeClr val="accent1">
-              <a:shade val="50000"/>
-            </a:schemeClr>
-          </a:lnRef>
-          <a:fillRef idx="1">
-            <a:schemeClr val="accent1"/>
-          </a:fillRef>
-          <a:effectRef idx="0">
-            <a:schemeClr val="accent1"/>
-          </a:effectRef>
-          <a:fontRef idx="minor">
-            <a:schemeClr val="lt1"/>
-          </a:fontRef>
-        </p:style>
-        <p:txBody>
-          <a:bodyPr rtlCol="0" anchor="ctr"/>
-          <a:lstStyle/>
-          <a:p>
-            <a:pPr algn="ctr"/>
-            <a:endParaRPr lang="en-US"/>
-          </a:p>
-        </p:txBody>
-      </p:sp>
-      <p:sp>
-        <p:nvSpPr>
-          <p:cNvPr id="7" name="Rectangle 6">
+        </p:spPr>
+      </p:pic>
+      <p:sp>
+        <p:nvSpPr>
+          <p:cNvPr id="3" name="Slide Number Placeholder 2">
             <a:extLst>
               <a:ext uri="{FF2B5EF4-FFF2-40B4-BE49-F238E27FC236}">
-                <a16:creationId xmlns:a16="http://schemas.microsoft.com/office/drawing/2014/main" id="{64D065B4-2B68-4201-A142-EB332C11707E}"/>
+                <a16:creationId xmlns:a16="http://schemas.microsoft.com/office/drawing/2014/main" id="{0CF5230E-9CA6-F340-A256-B18994407390}"/>
               </a:ext>
             </a:extLst>
           </p:cNvPr>
-          <p:cNvSpPr/>
-          <p:nvPr/>
-        </p:nvSpPr>
-        <p:spPr>
-          <a:xfrm>
-            <a:off x="7709388" y="2721219"/>
-            <a:ext cx="1195754" cy="707781"/>
-          </a:xfrm>
-          <a:prstGeom prst="rect">
-            <a:avLst/>
-          </a:prstGeom>
-          <a:noFill/>
-        </p:spPr>
-        <p:style>
-          <a:lnRef idx="2">
-            <a:schemeClr val="accent1">
-              <a:shade val="50000"/>
-            </a:schemeClr>
-          </a:lnRef>
-          <a:fillRef idx="1">
-            <a:schemeClr val="accent1"/>
-          </a:fillRef>
-          <a:effectRef idx="0">
-            <a:schemeClr val="accent1"/>
-          </a:effectRef>
-          <a:fontRef idx="minor">
-            <a:schemeClr val="lt1"/>
-          </a:fontRef>
-        </p:style>
-        <p:txBody>
-          <a:bodyPr rtlCol="0" anchor="ctr"/>
+          <p:cNvSpPr>
+            <a:spLocks noGrp="1"/>
+          </p:cNvSpPr>
+          <p:nvPr>
+            <p:ph type="sldNum" sz="quarter" idx="12"/>
+          </p:nvPr>
+        </p:nvSpPr>
+        <p:spPr/>
+        <p:txBody>
+          <a:bodyPr/>
           <a:lstStyle/>
           <a:p>
-            <a:pPr algn="ctr"/>
-            <a:endParaRPr lang="en-US"/>
-          </a:p>
-        </p:txBody>
-      </p:sp>
-      <p:sp>
-        <p:nvSpPr>
-          <p:cNvPr id="10" name="Rectangle 9">
-            <a:extLst>
-              <a:ext uri="{FF2B5EF4-FFF2-40B4-BE49-F238E27FC236}">
-                <a16:creationId xmlns:a16="http://schemas.microsoft.com/office/drawing/2014/main" id="{33CEF7BA-9AC5-4E38-81EA-1DD808DFCD74}"/>
-              </a:ext>
-            </a:extLst>
-          </p:cNvPr>
-          <p:cNvSpPr/>
-          <p:nvPr/>
-        </p:nvSpPr>
-        <p:spPr>
-          <a:xfrm>
-            <a:off x="3433396" y="2721219"/>
-            <a:ext cx="1195754" cy="707781"/>
-          </a:xfrm>
-          <a:prstGeom prst="rect">
-            <a:avLst/>
-          </a:prstGeom>
-          <a:noFill/>
-        </p:spPr>
-        <p:style>
-          <a:lnRef idx="2">
-            <a:schemeClr val="accent1">
-              <a:shade val="50000"/>
-            </a:schemeClr>
-          </a:lnRef>
-          <a:fillRef idx="1">
-            <a:schemeClr val="accent1"/>
-          </a:fillRef>
-          <a:effectRef idx="0">
-            <a:schemeClr val="accent1"/>
-          </a:effectRef>
-          <a:fontRef idx="minor">
-            <a:schemeClr val="lt1"/>
-          </a:fontRef>
-        </p:style>
-        <p:txBody>
-          <a:bodyPr rtlCol="0" anchor="ctr"/>
-          <a:lstStyle/>
-          <a:p>
-            <a:pPr algn="ctr"/>
-            <a:endParaRPr lang="en-US"/>
-          </a:p>
-        </p:txBody>
-      </p:sp>
-      <p:sp>
-        <p:nvSpPr>
-          <p:cNvPr id="11" name="TextBox 10">
-            <a:extLst>
-              <a:ext uri="{FF2B5EF4-FFF2-40B4-BE49-F238E27FC236}">
-                <a16:creationId xmlns:a16="http://schemas.microsoft.com/office/drawing/2014/main" id="{F83D8F51-27EF-4F09-8965-761DC636C7D7}"/>
-              </a:ext>
-            </a:extLst>
-          </p:cNvPr>
-          <p:cNvSpPr txBox="1"/>
-          <p:nvPr/>
-        </p:nvSpPr>
-        <p:spPr>
-          <a:xfrm>
-            <a:off x="1063868" y="3719146"/>
-            <a:ext cx="2101363" cy="461067"/>
-          </a:xfrm>
-          <a:prstGeom prst="rect">
-            <a:avLst/>
-          </a:prstGeom>
-          <a:noFill/>
-        </p:spPr>
-        <p:txBody>
-          <a:bodyPr wrap="square" rtlCol="0">
-            <a:spAutoFit/>
-          </a:bodyPr>
-          <a:lstStyle/>
-          <a:p>
-            <a:r>
-              <a:rPr lang="en-US" sz="1200" dirty="0"/>
-              <a:t>CSV file </a:t>
-            </a:r>
-          </a:p>
-          <a:p>
-            <a:r>
-              <a:rPr lang="en-US" sz="1200" dirty="0"/>
-              <a:t>Chose column for analysis </a:t>
-            </a:r>
-          </a:p>
-        </p:txBody>
-      </p:sp>
-      <p:sp>
-        <p:nvSpPr>
-          <p:cNvPr id="12" name="TextBox 11">
-            <a:extLst>
-              <a:ext uri="{FF2B5EF4-FFF2-40B4-BE49-F238E27FC236}">
-                <a16:creationId xmlns:a16="http://schemas.microsoft.com/office/drawing/2014/main" id="{B6FA5347-1E43-48F0-9A0F-3F149E53F970}"/>
-              </a:ext>
-            </a:extLst>
-          </p:cNvPr>
-          <p:cNvSpPr txBox="1"/>
-          <p:nvPr/>
-        </p:nvSpPr>
-        <p:spPr>
-          <a:xfrm>
-            <a:off x="3433397" y="3719146"/>
-            <a:ext cx="1938704" cy="1569660"/>
-          </a:xfrm>
-          <a:prstGeom prst="rect">
-            <a:avLst/>
-          </a:prstGeom>
-          <a:noFill/>
-        </p:spPr>
-        <p:txBody>
-          <a:bodyPr wrap="square" rtlCol="0">
-            <a:spAutoFit/>
-          </a:bodyPr>
-          <a:lstStyle/>
-          <a:p>
-            <a:pPr marL="171450" indent="-171450">
-              <a:buFontTx/>
-              <a:buChar char="-"/>
-            </a:pPr>
-            <a:r>
-              <a:rPr lang="en-US" sz="1200" dirty="0"/>
-              <a:t>Import data in </a:t>
-            </a:r>
-            <a:r>
-              <a:rPr lang="en-US" sz="1200" dirty="0" err="1"/>
-              <a:t>jupyter</a:t>
-            </a:r>
-            <a:r>
-              <a:rPr lang="en-US" sz="1200" dirty="0"/>
-              <a:t> notebook</a:t>
-            </a:r>
-          </a:p>
-          <a:p>
-            <a:pPr marL="171450" indent="-171450">
-              <a:buFontTx/>
-              <a:buChar char="-"/>
-            </a:pPr>
-            <a:r>
-              <a:rPr lang="en-US" sz="1200" dirty="0"/>
-              <a:t>structure the data </a:t>
-            </a:r>
-          </a:p>
-          <a:p>
-            <a:pPr marL="171450" indent="-171450">
-              <a:buFontTx/>
-              <a:buChar char="-"/>
-            </a:pPr>
-            <a:r>
-              <a:rPr lang="en-US" sz="1200" dirty="0"/>
-              <a:t>Create SQL database </a:t>
-            </a:r>
-          </a:p>
-          <a:p>
-            <a:pPr marL="171450" indent="-171450">
-              <a:buFontTx/>
-              <a:buChar char="-"/>
-            </a:pPr>
-            <a:r>
-              <a:rPr lang="en-US" sz="1200" dirty="0"/>
-              <a:t>ETL complete</a:t>
-            </a:r>
-          </a:p>
-          <a:p>
-            <a:pPr marL="171450" indent="-171450">
-              <a:buFontTx/>
-              <a:buChar char="-"/>
-            </a:pPr>
-            <a:endParaRPr lang="en-US" sz="1200" dirty="0"/>
-          </a:p>
-          <a:p>
-            <a:r>
-              <a:rPr lang="en-US" sz="1200" dirty="0"/>
-              <a:t>(Cleaning-</a:t>
-            </a:r>
-            <a:r>
-              <a:rPr lang="en-US" sz="1200"/>
-              <a:t>notebook.ipynd</a:t>
-            </a:r>
-          </a:p>
-        </p:txBody>
-      </p:sp>
-      <p:sp>
-        <p:nvSpPr>
-          <p:cNvPr id="14" name="TextBox 13">
-            <a:extLst>
-              <a:ext uri="{FF2B5EF4-FFF2-40B4-BE49-F238E27FC236}">
-                <a16:creationId xmlns:a16="http://schemas.microsoft.com/office/drawing/2014/main" id="{4C0B079E-0287-4C25-8160-BA9EF8D7FF14}"/>
-              </a:ext>
-            </a:extLst>
-          </p:cNvPr>
-          <p:cNvSpPr txBox="1"/>
-          <p:nvPr/>
-        </p:nvSpPr>
-        <p:spPr>
-          <a:xfrm>
-            <a:off x="5688623" y="3719145"/>
-            <a:ext cx="1710104" cy="553998"/>
-          </a:xfrm>
-          <a:prstGeom prst="rect">
-            <a:avLst/>
-          </a:prstGeom>
-          <a:noFill/>
-        </p:spPr>
-        <p:txBody>
-          <a:bodyPr wrap="square" rtlCol="0">
-            <a:spAutoFit/>
-          </a:bodyPr>
-          <a:lstStyle/>
-          <a:p>
-            <a:r>
-              <a:rPr lang="en-US" dirty="0"/>
-              <a:t>- </a:t>
-            </a:r>
-            <a:r>
-              <a:rPr lang="en-US" sz="1200" dirty="0"/>
-              <a:t>create flask and </a:t>
-            </a:r>
-            <a:r>
-              <a:rPr lang="en-US" sz="1200" dirty="0" err="1"/>
-              <a:t>api</a:t>
-            </a:r>
-            <a:r>
-              <a:rPr lang="en-US" sz="1200" dirty="0"/>
-              <a:t> to call database </a:t>
-            </a:r>
+            <a:fld id="{3A98EE3D-8CD1-4C3F-BD1C-C98C9596463C}" type="slidenum">
+              <a:rPr lang="en-US" smtClean="0"/>
+              <a:t>3</a:t>
+            </a:fld>
+            <a:endParaRPr lang="en-US" dirty="0"/>
           </a:p>
         </p:txBody>
       </p:sp>
     </p:spTree>
     <p:extLst>
       <p:ext uri="{BB962C8B-B14F-4D97-AF65-F5344CB8AC3E}">
-        <p14:creationId xmlns:p14="http://schemas.microsoft.com/office/powerpoint/2010/main" val="483488775"/>
+        <p14:creationId xmlns:p14="http://schemas.microsoft.com/office/powerpoint/2010/main" val="2863740510"/>
       </p:ext>
     </p:extLst>
   </p:cSld>
@@ -5040,7 +5392,7 @@
           <p:cNvPr id="2" name="Title 1">
             <a:extLst>
               <a:ext uri="{FF2B5EF4-FFF2-40B4-BE49-F238E27FC236}">
-                <a16:creationId xmlns:a16="http://schemas.microsoft.com/office/drawing/2014/main" id="{A69BEEC9-2757-4EAA-ACF0-265AB23F41B4}"/>
+                <a16:creationId xmlns:a16="http://schemas.microsoft.com/office/drawing/2014/main" id="{50235141-8B84-4024-8193-7DEF87EF592B}"/>
               </a:ext>
             </a:extLst>
           </p:cNvPr>
@@ -5057,26 +5409,795 @@
           <a:lstStyle/>
           <a:p>
             <a:r>
-              <a:rPr lang="en-US" dirty="0"/>
-              <a:t>Database- ETL</a:t>
-            </a:r>
-          </a:p>
-        </p:txBody>
-      </p:sp>
-      <p:sp>
-        <p:nvSpPr>
-          <p:cNvPr id="3" name="Content Placeholder 2">
+              <a:rPr lang="en-US" b="1" dirty="0"/>
+              <a:t>Flow chart </a:t>
+            </a:r>
+          </a:p>
+        </p:txBody>
+      </p:sp>
+      <p:sp>
+        <p:nvSpPr>
+          <p:cNvPr id="11" name="TextBox 10">
             <a:extLst>
               <a:ext uri="{FF2B5EF4-FFF2-40B4-BE49-F238E27FC236}">
-                <a16:creationId xmlns:a16="http://schemas.microsoft.com/office/drawing/2014/main" id="{477A6185-CC0C-4FFC-87C4-FF92C6399836}"/>
+                <a16:creationId xmlns:a16="http://schemas.microsoft.com/office/drawing/2014/main" id="{F83D8F51-27EF-4F09-8965-761DC636C7D7}"/>
               </a:ext>
             </a:extLst>
           </p:cNvPr>
-          <p:cNvSpPr>
-            <a:spLocks noGrp="1"/>
-          </p:cNvSpPr>
-          <p:nvPr>
-            <p:ph idx="1"/>
+          <p:cNvSpPr txBox="1"/>
+          <p:nvPr/>
+        </p:nvSpPr>
+        <p:spPr>
+          <a:xfrm>
+            <a:off x="364521" y="3493007"/>
+            <a:ext cx="2101363" cy="600164"/>
+          </a:xfrm>
+          <a:prstGeom prst="rect">
+            <a:avLst/>
+          </a:prstGeom>
+          <a:gradFill flip="none" rotWithShape="1">
+            <a:gsLst>
+              <a:gs pos="0">
+                <a:schemeClr val="bg1">
+                  <a:lumMod val="75000"/>
+                  <a:shade val="30000"/>
+                  <a:satMod val="115000"/>
+                </a:schemeClr>
+              </a:gs>
+              <a:gs pos="22000">
+                <a:schemeClr val="bg1">
+                  <a:lumMod val="75000"/>
+                  <a:shade val="67500"/>
+                  <a:satMod val="115000"/>
+                </a:schemeClr>
+              </a:gs>
+              <a:gs pos="100000">
+                <a:schemeClr val="bg1">
+                  <a:lumMod val="75000"/>
+                  <a:shade val="100000"/>
+                  <a:satMod val="115000"/>
+                </a:schemeClr>
+              </a:gs>
+            </a:gsLst>
+            <a:path path="circle">
+              <a:fillToRect l="100000" t="100000"/>
+            </a:path>
+            <a:tileRect r="-100000" b="-100000"/>
+          </a:gradFill>
+          <a:ln>
+            <a:solidFill>
+              <a:schemeClr val="bg1"/>
+            </a:solidFill>
+          </a:ln>
+        </p:spPr>
+        <p:style>
+          <a:lnRef idx="1">
+            <a:schemeClr val="dk1"/>
+          </a:lnRef>
+          <a:fillRef idx="2">
+            <a:schemeClr val="dk1"/>
+          </a:fillRef>
+          <a:effectRef idx="1">
+            <a:schemeClr val="dk1"/>
+          </a:effectRef>
+          <a:fontRef idx="minor">
+            <a:schemeClr val="dk1"/>
+          </a:fontRef>
+        </p:style>
+        <p:txBody>
+          <a:bodyPr wrap="square" tIns="182880" rtlCol="0">
+            <a:spAutoFit/>
+          </a:bodyPr>
+          <a:lstStyle/>
+          <a:p>
+            <a:r>
+              <a:rPr lang="en-US" sz="1200" dirty="0"/>
+              <a:t>CSV file </a:t>
+            </a:r>
+          </a:p>
+          <a:p>
+            <a:r>
+              <a:rPr lang="en-US" sz="1200" dirty="0"/>
+              <a:t>Chose column for analysis </a:t>
+            </a:r>
+          </a:p>
+        </p:txBody>
+      </p:sp>
+      <p:sp>
+        <p:nvSpPr>
+          <p:cNvPr id="12" name="TextBox 11">
+            <a:extLst>
+              <a:ext uri="{FF2B5EF4-FFF2-40B4-BE49-F238E27FC236}">
+                <a16:creationId xmlns:a16="http://schemas.microsoft.com/office/drawing/2014/main" id="{B6FA5347-1E43-48F0-9A0F-3F149E53F970}"/>
+              </a:ext>
+            </a:extLst>
+          </p:cNvPr>
+          <p:cNvSpPr txBox="1"/>
+          <p:nvPr/>
+        </p:nvSpPr>
+        <p:spPr>
+          <a:xfrm>
+            <a:off x="2615621" y="3504303"/>
+            <a:ext cx="3056621" cy="1708160"/>
+          </a:xfrm>
+          <a:prstGeom prst="rect">
+            <a:avLst/>
+          </a:prstGeom>
+          <a:gradFill flip="none" rotWithShape="1">
+            <a:gsLst>
+              <a:gs pos="0">
+                <a:schemeClr val="bg1">
+                  <a:lumMod val="75000"/>
+                  <a:shade val="30000"/>
+                  <a:satMod val="115000"/>
+                </a:schemeClr>
+              </a:gs>
+              <a:gs pos="22000">
+                <a:schemeClr val="bg1">
+                  <a:lumMod val="75000"/>
+                  <a:shade val="67500"/>
+                  <a:satMod val="115000"/>
+                </a:schemeClr>
+              </a:gs>
+              <a:gs pos="100000">
+                <a:schemeClr val="bg1">
+                  <a:lumMod val="75000"/>
+                  <a:shade val="100000"/>
+                  <a:satMod val="115000"/>
+                </a:schemeClr>
+              </a:gs>
+            </a:gsLst>
+            <a:path path="circle">
+              <a:fillToRect l="100000" t="100000"/>
+            </a:path>
+            <a:tileRect r="-100000" b="-100000"/>
+          </a:gradFill>
+          <a:ln>
+            <a:solidFill>
+              <a:schemeClr val="bg1"/>
+            </a:solidFill>
+          </a:ln>
+        </p:spPr>
+        <p:style>
+          <a:lnRef idx="1">
+            <a:schemeClr val="dk1"/>
+          </a:lnRef>
+          <a:fillRef idx="2">
+            <a:schemeClr val="dk1"/>
+          </a:fillRef>
+          <a:effectRef idx="1">
+            <a:schemeClr val="dk1"/>
+          </a:effectRef>
+          <a:fontRef idx="minor">
+            <a:schemeClr val="dk1"/>
+          </a:fontRef>
+        </p:style>
+        <p:txBody>
+          <a:bodyPr wrap="square" tIns="182880" rtlCol="0">
+            <a:spAutoFit/>
+          </a:bodyPr>
+          <a:lstStyle/>
+          <a:p>
+            <a:pPr marL="171450" indent="-171450">
+              <a:buFontTx/>
+              <a:buChar char="-"/>
+            </a:pPr>
+            <a:r>
+              <a:rPr lang="en-US" sz="1200" dirty="0"/>
+              <a:t>Import data in </a:t>
+            </a:r>
+            <a:r>
+              <a:rPr lang="en-US" sz="1200" dirty="0" err="1"/>
+              <a:t>jupyter</a:t>
+            </a:r>
+            <a:r>
+              <a:rPr lang="en-US" sz="1200" dirty="0"/>
+              <a:t> notebook</a:t>
+            </a:r>
+          </a:p>
+          <a:p>
+            <a:pPr marL="171450" indent="-171450">
+              <a:buFontTx/>
+              <a:buChar char="-"/>
+            </a:pPr>
+            <a:r>
+              <a:rPr lang="en-US" sz="1200" dirty="0"/>
+              <a:t>Merge different DB’s</a:t>
+            </a:r>
+          </a:p>
+          <a:p>
+            <a:pPr marL="171450" indent="-171450">
+              <a:buFontTx/>
+              <a:buChar char="-"/>
+            </a:pPr>
+            <a:r>
+              <a:rPr lang="en-US" sz="1200" dirty="0"/>
+              <a:t>Structure the data </a:t>
+            </a:r>
+          </a:p>
+          <a:p>
+            <a:pPr marL="171450" indent="-171450">
+              <a:buFontTx/>
+              <a:buChar char="-"/>
+            </a:pPr>
+            <a:r>
+              <a:rPr lang="en-US" sz="1200" dirty="0"/>
+              <a:t>Create database in PostgreSQL and generate engine</a:t>
+            </a:r>
+          </a:p>
+          <a:p>
+            <a:pPr marL="171450" indent="-171450">
+              <a:buFontTx/>
+              <a:buChar char="-"/>
+            </a:pPr>
+            <a:r>
+              <a:rPr lang="en-US" sz="1200" dirty="0"/>
+              <a:t>ETL complete</a:t>
+            </a:r>
+          </a:p>
+          <a:p>
+            <a:pPr marL="171450" indent="-171450">
+              <a:buFontTx/>
+              <a:buChar char="-"/>
+            </a:pPr>
+            <a:endParaRPr lang="en-US" sz="1200" dirty="0"/>
+          </a:p>
+          <a:p>
+            <a:r>
+              <a:rPr lang="en-US" sz="1200" dirty="0">
+                <a:highlight>
+                  <a:srgbClr val="FFFF00"/>
+                </a:highlight>
+              </a:rPr>
+              <a:t>(Cleaning-</a:t>
+            </a:r>
+            <a:r>
+              <a:rPr lang="en-US" sz="1200" dirty="0" err="1">
+                <a:highlight>
+                  <a:srgbClr val="FFFF00"/>
+                </a:highlight>
+              </a:rPr>
+              <a:t>notebook.ipynb</a:t>
+            </a:r>
+            <a:r>
+              <a:rPr lang="en-US" sz="1200" dirty="0">
+                <a:highlight>
+                  <a:srgbClr val="FFFF00"/>
+                </a:highlight>
+              </a:rPr>
+              <a:t>)</a:t>
+            </a:r>
+          </a:p>
+        </p:txBody>
+      </p:sp>
+      <p:sp>
+        <p:nvSpPr>
+          <p:cNvPr id="14" name="TextBox 13">
+            <a:extLst>
+              <a:ext uri="{FF2B5EF4-FFF2-40B4-BE49-F238E27FC236}">
+                <a16:creationId xmlns:a16="http://schemas.microsoft.com/office/drawing/2014/main" id="{4C0B079E-0287-4C25-8160-BA9EF8D7FF14}"/>
+              </a:ext>
+            </a:extLst>
+          </p:cNvPr>
+          <p:cNvSpPr txBox="1"/>
+          <p:nvPr/>
+        </p:nvSpPr>
+        <p:spPr>
+          <a:xfrm>
+            <a:off x="5821979" y="3504303"/>
+            <a:ext cx="2851755" cy="784830"/>
+          </a:xfrm>
+          <a:prstGeom prst="rect">
+            <a:avLst/>
+          </a:prstGeom>
+          <a:gradFill flip="none" rotWithShape="1">
+            <a:gsLst>
+              <a:gs pos="0">
+                <a:schemeClr val="bg1">
+                  <a:lumMod val="75000"/>
+                  <a:shade val="30000"/>
+                  <a:satMod val="115000"/>
+                </a:schemeClr>
+              </a:gs>
+              <a:gs pos="22000">
+                <a:schemeClr val="bg1">
+                  <a:lumMod val="75000"/>
+                  <a:shade val="67500"/>
+                  <a:satMod val="115000"/>
+                </a:schemeClr>
+              </a:gs>
+              <a:gs pos="100000">
+                <a:schemeClr val="bg1">
+                  <a:lumMod val="75000"/>
+                  <a:shade val="100000"/>
+                  <a:satMod val="115000"/>
+                </a:schemeClr>
+              </a:gs>
+            </a:gsLst>
+            <a:path path="circle">
+              <a:fillToRect l="100000" t="100000"/>
+            </a:path>
+            <a:tileRect r="-100000" b="-100000"/>
+          </a:gradFill>
+          <a:ln>
+            <a:solidFill>
+              <a:schemeClr val="bg1"/>
+            </a:solidFill>
+          </a:ln>
+        </p:spPr>
+        <p:style>
+          <a:lnRef idx="1">
+            <a:schemeClr val="dk1"/>
+          </a:lnRef>
+          <a:fillRef idx="2">
+            <a:schemeClr val="dk1"/>
+          </a:fillRef>
+          <a:effectRef idx="1">
+            <a:schemeClr val="dk1"/>
+          </a:effectRef>
+          <a:fontRef idx="minor">
+            <a:schemeClr val="dk1"/>
+          </a:fontRef>
+        </p:style>
+        <p:txBody>
+          <a:bodyPr wrap="square" tIns="182880" rtlCol="0">
+            <a:spAutoFit/>
+          </a:bodyPr>
+          <a:lstStyle/>
+          <a:p>
+            <a:pPr marL="171450" indent="-171450">
+              <a:buFontTx/>
+              <a:buChar char="-"/>
+            </a:pPr>
+            <a:r>
+              <a:rPr lang="en-US" sz="1200" dirty="0"/>
+              <a:t>Create flask </a:t>
+            </a:r>
+            <a:r>
+              <a:rPr lang="en-US" sz="1200" dirty="0" err="1"/>
+              <a:t>api</a:t>
+            </a:r>
+            <a:r>
+              <a:rPr lang="en-US" sz="1200" dirty="0"/>
+              <a:t> to call data </a:t>
+            </a:r>
+          </a:p>
+          <a:p>
+            <a:endParaRPr lang="en-US" sz="1200" dirty="0">
+              <a:highlight>
+                <a:srgbClr val="FFFF00"/>
+              </a:highlight>
+            </a:endParaRPr>
+          </a:p>
+          <a:p>
+            <a:r>
+              <a:rPr lang="en-US" sz="1200" dirty="0">
+                <a:highlight>
+                  <a:srgbClr val="FFFF00"/>
+                </a:highlight>
+              </a:rPr>
+              <a:t>(app.py)</a:t>
+            </a:r>
+          </a:p>
+        </p:txBody>
+      </p:sp>
+      <p:sp>
+        <p:nvSpPr>
+          <p:cNvPr id="3" name="TextBox 2">
+            <a:extLst>
+              <a:ext uri="{FF2B5EF4-FFF2-40B4-BE49-F238E27FC236}">
+                <a16:creationId xmlns:a16="http://schemas.microsoft.com/office/drawing/2014/main" id="{C044F265-8D87-435A-A5B8-AE0515DD159B}"/>
+              </a:ext>
+            </a:extLst>
+          </p:cNvPr>
+          <p:cNvSpPr txBox="1"/>
+          <p:nvPr/>
+        </p:nvSpPr>
+        <p:spPr>
+          <a:xfrm>
+            <a:off x="8823471" y="3504303"/>
+            <a:ext cx="3213021" cy="1985159"/>
+          </a:xfrm>
+          <a:prstGeom prst="rect">
+            <a:avLst/>
+          </a:prstGeom>
+          <a:gradFill flip="none" rotWithShape="1">
+            <a:gsLst>
+              <a:gs pos="0">
+                <a:schemeClr val="bg1">
+                  <a:lumMod val="75000"/>
+                  <a:shade val="30000"/>
+                  <a:satMod val="115000"/>
+                </a:schemeClr>
+              </a:gs>
+              <a:gs pos="22000">
+                <a:schemeClr val="bg1">
+                  <a:lumMod val="75000"/>
+                  <a:shade val="67500"/>
+                  <a:satMod val="115000"/>
+                </a:schemeClr>
+              </a:gs>
+              <a:gs pos="100000">
+                <a:schemeClr val="bg1">
+                  <a:lumMod val="75000"/>
+                  <a:shade val="100000"/>
+                  <a:satMod val="115000"/>
+                </a:schemeClr>
+              </a:gs>
+            </a:gsLst>
+            <a:path path="circle">
+              <a:fillToRect l="100000" t="100000"/>
+            </a:path>
+            <a:tileRect r="-100000" b="-100000"/>
+          </a:gradFill>
+          <a:ln>
+            <a:solidFill>
+              <a:schemeClr val="bg1"/>
+            </a:solidFill>
+          </a:ln>
+        </p:spPr>
+        <p:style>
+          <a:lnRef idx="1">
+            <a:schemeClr val="dk1"/>
+          </a:lnRef>
+          <a:fillRef idx="2">
+            <a:schemeClr val="dk1"/>
+          </a:fillRef>
+          <a:effectRef idx="1">
+            <a:schemeClr val="dk1"/>
+          </a:effectRef>
+          <a:fontRef idx="minor">
+            <a:schemeClr val="dk1"/>
+          </a:fontRef>
+        </p:style>
+        <p:txBody>
+          <a:bodyPr wrap="square" tIns="182880" rtlCol="0">
+            <a:spAutoFit/>
+          </a:bodyPr>
+          <a:lstStyle/>
+          <a:p>
+            <a:pPr marL="285750" indent="-285750">
+              <a:buFontTx/>
+              <a:buChar char="-"/>
+            </a:pPr>
+            <a:r>
+              <a:rPr lang="en-US" sz="1200" dirty="0"/>
+              <a:t>Create dashboard HTML , CSS files</a:t>
+            </a:r>
+          </a:p>
+          <a:p>
+            <a:pPr marL="285750" indent="-285750">
+              <a:buFontTx/>
+              <a:buChar char="-"/>
+            </a:pPr>
+            <a:r>
+              <a:rPr lang="en-US" sz="1200" dirty="0"/>
+              <a:t>Create JS file</a:t>
+            </a:r>
+          </a:p>
+          <a:p>
+            <a:pPr marL="285750" indent="-285750">
+              <a:buFontTx/>
+              <a:buChar char="-"/>
+            </a:pPr>
+            <a:r>
+              <a:rPr lang="en-US" sz="1200" dirty="0"/>
+              <a:t>Create Leaflet map</a:t>
+            </a:r>
+          </a:p>
+          <a:p>
+            <a:pPr marL="285750" indent="-285750">
+              <a:buFontTx/>
+              <a:buChar char="-"/>
+            </a:pPr>
+            <a:r>
+              <a:rPr lang="en-US" sz="1200" dirty="0"/>
+              <a:t>Implement </a:t>
+            </a:r>
+            <a:r>
+              <a:rPr lang="en-US" sz="1200" dirty="0" err="1"/>
+              <a:t>ChartJs</a:t>
+            </a:r>
+            <a:r>
+              <a:rPr lang="en-US" sz="1200" dirty="0"/>
+              <a:t> for visualization</a:t>
+            </a:r>
+          </a:p>
+          <a:p>
+            <a:endParaRPr lang="en-US" sz="1200" dirty="0"/>
+          </a:p>
+          <a:p>
+            <a:r>
+              <a:rPr lang="en-US" sz="1200" dirty="0">
+                <a:highlight>
+                  <a:srgbClr val="FFFF00"/>
+                </a:highlight>
+              </a:rPr>
+              <a:t>(logic.js)</a:t>
+            </a:r>
+          </a:p>
+          <a:p>
+            <a:r>
+              <a:rPr lang="en-US" sz="1200" dirty="0">
+                <a:highlight>
+                  <a:srgbClr val="FFFF00"/>
+                </a:highlight>
+              </a:rPr>
+              <a:t>(index.html)</a:t>
+            </a:r>
+          </a:p>
+          <a:p>
+            <a:pPr marL="285750" indent="-285750">
+              <a:buFontTx/>
+              <a:buChar char="-"/>
+            </a:pPr>
+            <a:endParaRPr lang="en-US" sz="1200" dirty="0"/>
+          </a:p>
+          <a:p>
+            <a:endParaRPr lang="en-US" dirty="0"/>
+          </a:p>
+        </p:txBody>
+      </p:sp>
+      <p:pic>
+        <p:nvPicPr>
+          <p:cNvPr id="16" name="Graphic 15" descr="Database with solid fill">
+            <a:extLst>
+              <a:ext uri="{FF2B5EF4-FFF2-40B4-BE49-F238E27FC236}">
+                <a16:creationId xmlns:a16="http://schemas.microsoft.com/office/drawing/2014/main" id="{E43BAEB8-477E-47B8-88CC-480DA310B83D}"/>
+              </a:ext>
+            </a:extLst>
+          </p:cNvPr>
+          <p:cNvPicPr>
+            <a:picLocks noChangeAspect="1"/>
+          </p:cNvPicPr>
+          <p:nvPr/>
+        </p:nvPicPr>
+        <p:blipFill>
+          <a:blip r:embed="rId2">
+            <a:extLst>
+              <a:ext uri="{28A0092B-C50C-407E-A947-70E740481C1C}">
+                <a14:useLocalDpi xmlns:a14="http://schemas.microsoft.com/office/drawing/2010/main" val="0"/>
+              </a:ext>
+              <a:ext uri="{96DAC541-7B7A-43D3-8B79-37D633B846F1}">
+                <asvg:svgBlip xmlns:asvg="http://schemas.microsoft.com/office/drawing/2016/SVG/main" r:embed="rId3"/>
+              </a:ext>
+            </a:extLst>
+          </a:blip>
+          <a:stretch>
+            <a:fillRect/>
+          </a:stretch>
+        </p:blipFill>
+        <p:spPr>
+          <a:xfrm>
+            <a:off x="1145700" y="2352469"/>
+            <a:ext cx="914400" cy="914400"/>
+          </a:xfrm>
+          <a:prstGeom prst="rect">
+            <a:avLst/>
+          </a:prstGeom>
+        </p:spPr>
+      </p:pic>
+      <p:pic>
+        <p:nvPicPr>
+          <p:cNvPr id="17" name="Picture 16">
+            <a:extLst>
+              <a:ext uri="{FF2B5EF4-FFF2-40B4-BE49-F238E27FC236}">
+                <a16:creationId xmlns:a16="http://schemas.microsoft.com/office/drawing/2014/main" id="{C1D0D38F-F18D-460D-A169-21116CC0D060}"/>
+              </a:ext>
+            </a:extLst>
+          </p:cNvPr>
+          <p:cNvPicPr>
+            <a:picLocks noChangeAspect="1"/>
+          </p:cNvPicPr>
+          <p:nvPr/>
+        </p:nvPicPr>
+        <p:blipFill>
+          <a:blip r:embed="rId4"/>
+          <a:stretch>
+            <a:fillRect/>
+          </a:stretch>
+        </p:blipFill>
+        <p:spPr>
+          <a:xfrm>
+            <a:off x="3559974" y="2465567"/>
+            <a:ext cx="1335140" cy="670618"/>
+          </a:xfrm>
+          <a:prstGeom prst="rect">
+            <a:avLst/>
+          </a:prstGeom>
+        </p:spPr>
+      </p:pic>
+      <p:pic>
+        <p:nvPicPr>
+          <p:cNvPr id="18" name="Picture 17">
+            <a:extLst>
+              <a:ext uri="{FF2B5EF4-FFF2-40B4-BE49-F238E27FC236}">
+                <a16:creationId xmlns:a16="http://schemas.microsoft.com/office/drawing/2014/main" id="{399E1B97-BA64-4C3B-87CB-FE16016413FC}"/>
+              </a:ext>
+            </a:extLst>
+          </p:cNvPr>
+          <p:cNvPicPr>
+            <a:picLocks noChangeAspect="1"/>
+          </p:cNvPicPr>
+          <p:nvPr/>
+        </p:nvPicPr>
+        <p:blipFill>
+          <a:blip r:embed="rId5"/>
+          <a:stretch>
+            <a:fillRect/>
+          </a:stretch>
+        </p:blipFill>
+        <p:spPr>
+          <a:xfrm>
+            <a:off x="6625829" y="2343675"/>
+            <a:ext cx="914401" cy="914401"/>
+          </a:xfrm>
+          <a:prstGeom prst="rect">
+            <a:avLst/>
+          </a:prstGeom>
+        </p:spPr>
+      </p:pic>
+      <p:pic>
+        <p:nvPicPr>
+          <p:cNvPr id="19" name="Picture 18">
+            <a:extLst>
+              <a:ext uri="{FF2B5EF4-FFF2-40B4-BE49-F238E27FC236}">
+                <a16:creationId xmlns:a16="http://schemas.microsoft.com/office/drawing/2014/main" id="{790488C6-5ADE-45D1-862D-1B7AEBB64345}"/>
+              </a:ext>
+            </a:extLst>
+          </p:cNvPr>
+          <p:cNvPicPr>
+            <a:picLocks noChangeAspect="1"/>
+          </p:cNvPicPr>
+          <p:nvPr/>
+        </p:nvPicPr>
+        <p:blipFill>
+          <a:blip r:embed="rId6"/>
+          <a:stretch>
+            <a:fillRect/>
+          </a:stretch>
+        </p:blipFill>
+        <p:spPr>
+          <a:xfrm>
+            <a:off x="9270946" y="2199502"/>
+            <a:ext cx="1858474" cy="1067367"/>
+          </a:xfrm>
+          <a:prstGeom prst="rect">
+            <a:avLst/>
+          </a:prstGeom>
+        </p:spPr>
+      </p:pic>
+      <p:pic>
+        <p:nvPicPr>
+          <p:cNvPr id="21" name="Graphic 20" descr="Arrow: Slight curve with solid fill">
+            <a:extLst>
+              <a:ext uri="{FF2B5EF4-FFF2-40B4-BE49-F238E27FC236}">
+                <a16:creationId xmlns:a16="http://schemas.microsoft.com/office/drawing/2014/main" id="{C942302F-84D9-4321-8E13-F7ADCD38C03E}"/>
+              </a:ext>
+            </a:extLst>
+          </p:cNvPr>
+          <p:cNvPicPr>
+            <a:picLocks noChangeAspect="1"/>
+          </p:cNvPicPr>
+          <p:nvPr/>
+        </p:nvPicPr>
+        <p:blipFill>
+          <a:blip r:embed="rId7">
+            <a:extLst>
+              <a:ext uri="{28A0092B-C50C-407E-A947-70E740481C1C}">
+                <a14:useLocalDpi xmlns:a14="http://schemas.microsoft.com/office/drawing/2010/main" val="0"/>
+              </a:ext>
+              <a:ext uri="{96DAC541-7B7A-43D3-8B79-37D633B846F1}">
+                <asvg:svgBlip xmlns:asvg="http://schemas.microsoft.com/office/drawing/2016/SVG/main" r:embed="rId8"/>
+              </a:ext>
+            </a:extLst>
+          </a:blip>
+          <a:stretch>
+            <a:fillRect/>
+          </a:stretch>
+        </p:blipFill>
+        <p:spPr>
+          <a:xfrm>
+            <a:off x="2360508" y="2436663"/>
+            <a:ext cx="707783" cy="707783"/>
+          </a:xfrm>
+          <a:prstGeom prst="rect">
+            <a:avLst/>
+          </a:prstGeom>
+        </p:spPr>
+      </p:pic>
+      <p:pic>
+        <p:nvPicPr>
+          <p:cNvPr id="22" name="Graphic 21" descr="Arrow: Slight curve with solid fill">
+            <a:extLst>
+              <a:ext uri="{FF2B5EF4-FFF2-40B4-BE49-F238E27FC236}">
+                <a16:creationId xmlns:a16="http://schemas.microsoft.com/office/drawing/2014/main" id="{1A9CBA1A-2469-4271-A870-9D283FCA7B6B}"/>
+              </a:ext>
+            </a:extLst>
+          </p:cNvPr>
+          <p:cNvPicPr>
+            <a:picLocks noChangeAspect="1"/>
+          </p:cNvPicPr>
+          <p:nvPr/>
+        </p:nvPicPr>
+        <p:blipFill>
+          <a:blip r:embed="rId7">
+            <a:extLst>
+              <a:ext uri="{28A0092B-C50C-407E-A947-70E740481C1C}">
+                <a14:useLocalDpi xmlns:a14="http://schemas.microsoft.com/office/drawing/2010/main" val="0"/>
+              </a:ext>
+              <a:ext uri="{96DAC541-7B7A-43D3-8B79-37D633B846F1}">
+                <asvg:svgBlip xmlns:asvg="http://schemas.microsoft.com/office/drawing/2016/SVG/main" r:embed="rId8"/>
+              </a:ext>
+            </a:extLst>
+          </a:blip>
+          <a:stretch>
+            <a:fillRect/>
+          </a:stretch>
+        </p:blipFill>
+        <p:spPr>
+          <a:xfrm>
+            <a:off x="5194562" y="2446983"/>
+            <a:ext cx="707783" cy="707783"/>
+          </a:xfrm>
+          <a:prstGeom prst="rect">
+            <a:avLst/>
+          </a:prstGeom>
+        </p:spPr>
+      </p:pic>
+      <p:pic>
+        <p:nvPicPr>
+          <p:cNvPr id="23" name="Graphic 22" descr="Arrow: Slight curve with solid fill">
+            <a:extLst>
+              <a:ext uri="{FF2B5EF4-FFF2-40B4-BE49-F238E27FC236}">
+                <a16:creationId xmlns:a16="http://schemas.microsoft.com/office/drawing/2014/main" id="{5EB37A22-8DC5-47A3-9066-9BAA814B9411}"/>
+              </a:ext>
+            </a:extLst>
+          </p:cNvPr>
+          <p:cNvPicPr>
+            <a:picLocks noChangeAspect="1"/>
+          </p:cNvPicPr>
+          <p:nvPr/>
+        </p:nvPicPr>
+        <p:blipFill>
+          <a:blip r:embed="rId7">
+            <a:extLst>
+              <a:ext uri="{28A0092B-C50C-407E-A947-70E740481C1C}">
+                <a14:useLocalDpi xmlns:a14="http://schemas.microsoft.com/office/drawing/2010/main" val="0"/>
+              </a:ext>
+              <a:ext uri="{96DAC541-7B7A-43D3-8B79-37D633B846F1}">
+                <asvg:svgBlip xmlns:asvg="http://schemas.microsoft.com/office/drawing/2016/SVG/main" r:embed="rId8"/>
+              </a:ext>
+            </a:extLst>
+          </a:blip>
+          <a:stretch>
+            <a:fillRect/>
+          </a:stretch>
+        </p:blipFill>
+        <p:spPr>
+          <a:xfrm>
+            <a:off x="7950143" y="2455777"/>
+            <a:ext cx="707783" cy="707783"/>
+          </a:xfrm>
+          <a:prstGeom prst="rect">
+            <a:avLst/>
+          </a:prstGeom>
+        </p:spPr>
+      </p:pic>
+      <p:sp>
+        <p:nvSpPr>
+          <p:cNvPr id="4" name="Slide Number Placeholder 3">
+            <a:extLst>
+              <a:ext uri="{FF2B5EF4-FFF2-40B4-BE49-F238E27FC236}">
+                <a16:creationId xmlns:a16="http://schemas.microsoft.com/office/drawing/2014/main" id="{DF845506-3F28-1A40-8C76-C4CCEA454523}"/>
+              </a:ext>
+            </a:extLst>
+          </p:cNvPr>
+          <p:cNvSpPr>
+            <a:spLocks noGrp="1"/>
+          </p:cNvSpPr>
+          <p:nvPr>
+            <p:ph type="sldNum" sz="quarter" idx="12"/>
           </p:nvPr>
         </p:nvSpPr>
         <p:spPr/>
@@ -5084,14 +6205,18 @@
           <a:bodyPr/>
           <a:lstStyle/>
           <a:p>
-            <a:endParaRPr lang="en-US"/>
+            <a:fld id="{3A98EE3D-8CD1-4C3F-BD1C-C98C9596463C}" type="slidenum">
+              <a:rPr lang="en-US" smtClean="0"/>
+              <a:t>4</a:t>
+            </a:fld>
+            <a:endParaRPr lang="en-US" dirty="0"/>
           </a:p>
         </p:txBody>
       </p:sp>
     </p:spTree>
     <p:extLst>
       <p:ext uri="{BB962C8B-B14F-4D97-AF65-F5344CB8AC3E}">
-        <p14:creationId xmlns:p14="http://schemas.microsoft.com/office/powerpoint/2010/main" val="168954686"/>
+        <p14:creationId xmlns:p14="http://schemas.microsoft.com/office/powerpoint/2010/main" val="1667269743"/>
       </p:ext>
     </p:extLst>
   </p:cSld>
@@ -5140,26 +6265,265 @@
           <a:lstStyle/>
           <a:p>
             <a:r>
-              <a:rPr lang="en-US" dirty="0"/>
+              <a:rPr lang="en-US" b="1" dirty="0"/>
               <a:t>Coding journey 	</a:t>
             </a:r>
           </a:p>
         </p:txBody>
       </p:sp>
-      <p:sp>
-        <p:nvSpPr>
-          <p:cNvPr id="3" name="Content Placeholder 2">
+      <p:pic>
+        <p:nvPicPr>
+          <p:cNvPr id="7" name="Picture 6">
             <a:extLst>
               <a:ext uri="{FF2B5EF4-FFF2-40B4-BE49-F238E27FC236}">
-                <a16:creationId xmlns:a16="http://schemas.microsoft.com/office/drawing/2014/main" id="{B70C3CB2-2E65-49AB-82AC-413A57E48A2B}"/>
+                <a16:creationId xmlns:a16="http://schemas.microsoft.com/office/drawing/2014/main" id="{CFB165FC-DE07-4F93-93CE-C872DAAF6932}"/>
               </a:ext>
             </a:extLst>
           </p:cNvPr>
-          <p:cNvSpPr>
-            <a:spLocks noGrp="1"/>
-          </p:cNvSpPr>
-          <p:nvPr>
-            <p:ph idx="1"/>
+          <p:cNvPicPr>
+            <a:picLocks noChangeAspect="1"/>
+          </p:cNvPicPr>
+          <p:nvPr/>
+        </p:nvPicPr>
+        <p:blipFill>
+          <a:blip r:embed="rId2"/>
+          <a:stretch>
+            <a:fillRect/>
+          </a:stretch>
+        </p:blipFill>
+        <p:spPr>
+          <a:xfrm>
+            <a:off x="7202078" y="1031646"/>
+            <a:ext cx="3742441" cy="1807495"/>
+          </a:xfrm>
+          <a:prstGeom prst="rect">
+            <a:avLst/>
+          </a:prstGeom>
+        </p:spPr>
+      </p:pic>
+      <p:sp>
+        <p:nvSpPr>
+          <p:cNvPr id="10" name="TextBox 9">
+            <a:extLst>
+              <a:ext uri="{FF2B5EF4-FFF2-40B4-BE49-F238E27FC236}">
+                <a16:creationId xmlns:a16="http://schemas.microsoft.com/office/drawing/2014/main" id="{9B78BF92-EBC4-4DCA-8B93-F423135C2FBE}"/>
+              </a:ext>
+            </a:extLst>
+          </p:cNvPr>
+          <p:cNvSpPr txBox="1"/>
+          <p:nvPr/>
+        </p:nvSpPr>
+        <p:spPr>
+          <a:xfrm>
+            <a:off x="491838" y="2011386"/>
+            <a:ext cx="7855672" cy="4339650"/>
+          </a:xfrm>
+          <a:prstGeom prst="rect">
+            <a:avLst/>
+          </a:prstGeom>
+          <a:noFill/>
+        </p:spPr>
+        <p:txBody>
+          <a:bodyPr wrap="square">
+            <a:spAutoFit/>
+          </a:bodyPr>
+          <a:lstStyle/>
+          <a:p>
+            <a:pPr marL="285750" indent="-285750">
+              <a:spcAft>
+                <a:spcPts val="1200"/>
+              </a:spcAft>
+              <a:buFont typeface="Arial" panose="020B0604020202020204" pitchFamily="34" charset="0"/>
+              <a:buChar char="•"/>
+            </a:pPr>
+            <a:r>
+              <a:rPr lang="en-US" dirty="0"/>
+              <a:t>Set up Git LFS</a:t>
+            </a:r>
+          </a:p>
+          <a:p>
+            <a:pPr marL="285750" indent="-285750">
+              <a:spcAft>
+                <a:spcPts val="1200"/>
+              </a:spcAft>
+              <a:buFont typeface="Arial" panose="020B0604020202020204" pitchFamily="34" charset="0"/>
+              <a:buChar char="•"/>
+            </a:pPr>
+            <a:r>
+              <a:rPr lang="en-US" dirty="0"/>
+              <a:t>Pandas and PostgreSQL for ETL</a:t>
+            </a:r>
+          </a:p>
+          <a:p>
+            <a:pPr marL="285750" indent="-285750">
+              <a:spcAft>
+                <a:spcPts val="1200"/>
+              </a:spcAft>
+              <a:buFont typeface="Arial" panose="020B0604020202020204" pitchFamily="34" charset="0"/>
+              <a:buChar char="•"/>
+            </a:pPr>
+            <a:r>
+              <a:rPr lang="en-US" dirty="0"/>
+              <a:t>C</a:t>
+            </a:r>
+            <a:r>
+              <a:rPr lang="en-US" sz="1800" dirty="0"/>
+              <a:t>reate </a:t>
+            </a:r>
+            <a:r>
+              <a:rPr lang="en-US" dirty="0"/>
+              <a:t>F</a:t>
+            </a:r>
+            <a:r>
+              <a:rPr lang="en-US" sz="1800" dirty="0"/>
+              <a:t>lask </a:t>
+            </a:r>
+            <a:r>
+              <a:rPr lang="en-US" sz="1800" dirty="0" err="1"/>
+              <a:t>api</a:t>
+            </a:r>
+            <a:r>
+              <a:rPr lang="en-US" sz="1800" dirty="0"/>
+              <a:t> with many routes (“/”, ”/&lt;genre name&gt;”, ”/country/&lt;country name&gt;” etc.) to call data from database </a:t>
+            </a:r>
+          </a:p>
+          <a:p>
+            <a:pPr marL="285750" indent="-285750">
+              <a:spcAft>
+                <a:spcPts val="1200"/>
+              </a:spcAft>
+              <a:buFont typeface="Arial" panose="020B0604020202020204" pitchFamily="34" charset="0"/>
+              <a:buChar char="•"/>
+            </a:pPr>
+            <a:r>
+              <a:rPr lang="en-US" sz="1800" dirty="0"/>
+              <a:t>Create dashboard with HTML  &amp; CSS files using Jinja template &amp; Bootstrap</a:t>
+            </a:r>
+          </a:p>
+          <a:p>
+            <a:pPr marL="285750" indent="-285750">
+              <a:spcAft>
+                <a:spcPts val="1200"/>
+              </a:spcAft>
+              <a:buFont typeface="Arial" panose="020B0604020202020204" pitchFamily="34" charset="0"/>
+              <a:buChar char="•"/>
+            </a:pPr>
+            <a:r>
+              <a:rPr lang="en-US" dirty="0"/>
+              <a:t>Landing Page: Create Leaflet map with dynamic size circle based on total no. of produced films in a country. Use size scaling for better visualization</a:t>
+            </a:r>
+            <a:endParaRPr lang="en-US" sz="1800" dirty="0"/>
+          </a:p>
+          <a:p>
+            <a:pPr marL="285750" indent="-285750">
+              <a:spcAft>
+                <a:spcPts val="1200"/>
+              </a:spcAft>
+              <a:buFont typeface="Arial" panose="020B0604020202020204" pitchFamily="34" charset="0"/>
+              <a:buChar char="•"/>
+            </a:pPr>
+            <a:r>
+              <a:rPr lang="en-US" sz="1800" dirty="0"/>
+              <a:t>Event handling: Use d3 to respond to data selected from dropdown menu</a:t>
+            </a:r>
+          </a:p>
+          <a:p>
+            <a:pPr marL="285750" indent="-285750">
+              <a:spcAft>
+                <a:spcPts val="1200"/>
+              </a:spcAft>
+              <a:buFont typeface="Arial" panose="020B0604020202020204" pitchFamily="34" charset="0"/>
+              <a:buChar char="•"/>
+            </a:pPr>
+            <a:r>
+              <a:rPr lang="en-US" sz="1800" dirty="0"/>
+              <a:t>Implement ChartJS for dynamic visualization on </a:t>
+            </a:r>
+            <a:r>
+              <a:rPr lang="en-US" dirty="0"/>
+              <a:t>2 </a:t>
+            </a:r>
+            <a:r>
+              <a:rPr lang="en-US" sz="1800" dirty="0"/>
+              <a:t>bar charts </a:t>
+            </a:r>
+          </a:p>
+        </p:txBody>
+      </p:sp>
+      <p:pic>
+        <p:nvPicPr>
+          <p:cNvPr id="11" name="Picture 10">
+            <a:extLst>
+              <a:ext uri="{FF2B5EF4-FFF2-40B4-BE49-F238E27FC236}">
+                <a16:creationId xmlns:a16="http://schemas.microsoft.com/office/drawing/2014/main" id="{524436BB-E0CE-45D9-8DFA-20CBE0187566}"/>
+              </a:ext>
+            </a:extLst>
+          </p:cNvPr>
+          <p:cNvPicPr>
+            <a:picLocks noChangeAspect="1"/>
+          </p:cNvPicPr>
+          <p:nvPr/>
+        </p:nvPicPr>
+        <p:blipFill>
+          <a:blip r:embed="rId3"/>
+          <a:stretch>
+            <a:fillRect/>
+          </a:stretch>
+        </p:blipFill>
+        <p:spPr>
+          <a:xfrm>
+            <a:off x="9489723" y="4149852"/>
+            <a:ext cx="1398236" cy="1398236"/>
+          </a:xfrm>
+          <a:prstGeom prst="rect">
+            <a:avLst/>
+          </a:prstGeom>
+        </p:spPr>
+      </p:pic>
+      <p:pic>
+        <p:nvPicPr>
+          <p:cNvPr id="12" name="Picture 11">
+            <a:extLst>
+              <a:ext uri="{FF2B5EF4-FFF2-40B4-BE49-F238E27FC236}">
+                <a16:creationId xmlns:a16="http://schemas.microsoft.com/office/drawing/2014/main" id="{35745734-0D96-40E7-BF87-731E44FDAD75}"/>
+              </a:ext>
+            </a:extLst>
+          </p:cNvPr>
+          <p:cNvPicPr>
+            <a:picLocks noChangeAspect="1"/>
+          </p:cNvPicPr>
+          <p:nvPr/>
+        </p:nvPicPr>
+        <p:blipFill>
+          <a:blip r:embed="rId4"/>
+          <a:stretch>
+            <a:fillRect/>
+          </a:stretch>
+        </p:blipFill>
+        <p:spPr>
+          <a:xfrm>
+            <a:off x="8347510" y="3072015"/>
+            <a:ext cx="3210859" cy="844963"/>
+          </a:xfrm>
+          <a:prstGeom prst="rect">
+            <a:avLst/>
+          </a:prstGeom>
+        </p:spPr>
+      </p:pic>
+      <p:sp>
+        <p:nvSpPr>
+          <p:cNvPr id="3" name="Slide Number Placeholder 2">
+            <a:extLst>
+              <a:ext uri="{FF2B5EF4-FFF2-40B4-BE49-F238E27FC236}">
+                <a16:creationId xmlns:a16="http://schemas.microsoft.com/office/drawing/2014/main" id="{69EA251A-8208-9E4B-9917-4CD1B1619A19}"/>
+              </a:ext>
+            </a:extLst>
+          </p:cNvPr>
+          <p:cNvSpPr>
+            <a:spLocks noGrp="1"/>
+          </p:cNvSpPr>
+          <p:nvPr>
+            <p:ph type="sldNum" sz="quarter" idx="12"/>
           </p:nvPr>
         </p:nvSpPr>
         <p:spPr/>
@@ -5167,14 +6531,18 @@
           <a:bodyPr/>
           <a:lstStyle/>
           <a:p>
-            <a:endParaRPr lang="en-US"/>
+            <a:fld id="{3A98EE3D-8CD1-4C3F-BD1C-C98C9596463C}" type="slidenum">
+              <a:rPr lang="en-US" smtClean="0"/>
+              <a:t>5</a:t>
+            </a:fld>
+            <a:endParaRPr lang="en-US" dirty="0"/>
           </a:p>
         </p:txBody>
       </p:sp>
     </p:spTree>
     <p:extLst>
       <p:ext uri="{BB962C8B-B14F-4D97-AF65-F5344CB8AC3E}">
-        <p14:creationId xmlns:p14="http://schemas.microsoft.com/office/powerpoint/2010/main" val="2915751469"/>
+        <p14:creationId xmlns:p14="http://schemas.microsoft.com/office/powerpoint/2010/main" val="4273790238"/>
       </p:ext>
     </p:extLst>
   </p:cSld>
@@ -5223,7 +6591,7 @@
           <a:lstStyle/>
           <a:p>
             <a:r>
-              <a:rPr lang="en-US" dirty="0"/>
+              <a:rPr lang="en-US" b="1" dirty="0"/>
               <a:t>Visualization journey</a:t>
             </a:r>
           </a:p>
@@ -5501,6 +6869,35 @@
               <a:t> route (“/country/&lt;name&gt;”) used to query for the data grouped by genre</a:t>
             </a:r>
             <a:endParaRPr lang="en-US" sz="900" i="1" dirty="0"/>
+          </a:p>
+        </p:txBody>
+      </p:sp>
+      <p:sp>
+        <p:nvSpPr>
+          <p:cNvPr id="13" name="Slide Number Placeholder 12">
+            <a:extLst>
+              <a:ext uri="{FF2B5EF4-FFF2-40B4-BE49-F238E27FC236}">
+                <a16:creationId xmlns:a16="http://schemas.microsoft.com/office/drawing/2014/main" id="{1F84CF22-050D-2847-87DC-281BE3600D83}"/>
+              </a:ext>
+            </a:extLst>
+          </p:cNvPr>
+          <p:cNvSpPr>
+            <a:spLocks noGrp="1"/>
+          </p:cNvSpPr>
+          <p:nvPr>
+            <p:ph type="sldNum" sz="quarter" idx="12"/>
+          </p:nvPr>
+        </p:nvSpPr>
+        <p:spPr/>
+        <p:txBody>
+          <a:bodyPr/>
+          <a:lstStyle/>
+          <a:p>
+            <a:fld id="{3A98EE3D-8CD1-4C3F-BD1C-C98C9596463C}" type="slidenum">
+              <a:rPr lang="en-US" smtClean="0"/>
+              <a:t>6</a:t>
+            </a:fld>
+            <a:endParaRPr lang="en-US" dirty="0"/>
           </a:p>
         </p:txBody>
       </p:sp>
@@ -5556,7 +6953,7 @@
           <a:lstStyle/>
           <a:p>
             <a:r>
-              <a:rPr lang="en-US" dirty="0"/>
+              <a:rPr lang="en-US" b="1" dirty="0"/>
               <a:t>Challenges </a:t>
             </a:r>
           </a:p>
@@ -5578,12 +6975,117 @@
             <p:ph idx="1"/>
           </p:nvPr>
         </p:nvSpPr>
+        <p:spPr>
+          <a:xfrm>
+            <a:off x="581192" y="2109216"/>
+            <a:ext cx="11029615" cy="4046628"/>
+          </a:xfrm>
+        </p:spPr>
+        <p:txBody>
+          <a:bodyPr>
+            <a:normAutofit lnSpcReduction="10000"/>
+          </a:bodyPr>
+          <a:lstStyle/>
+          <a:p>
+            <a:r>
+              <a:rPr lang="en-US" sz="2000" dirty="0"/>
+              <a:t>Large datafiles handled with Git LFS</a:t>
+            </a:r>
+          </a:p>
+          <a:p>
+            <a:r>
+              <a:rPr lang="en-US" sz="2000" dirty="0"/>
+              <a:t>Connecting to PostgreSQL and loading data with pandas</a:t>
+            </a:r>
+          </a:p>
+          <a:p>
+            <a:r>
+              <a:rPr lang="en-US" sz="2000" dirty="0"/>
+              <a:t>Querying database with pandas </a:t>
+            </a:r>
+            <a:r>
+              <a:rPr lang="en-US" sz="2000" b="1" dirty="0"/>
+              <a:t>“ ” vs ‘ ’ </a:t>
+            </a:r>
+            <a:r>
+              <a:rPr lang="en-US" sz="2000" dirty="0"/>
+              <a:t>took half of the class time</a:t>
+            </a:r>
+          </a:p>
+          <a:p>
+            <a:r>
+              <a:rPr lang="en-US" sz="2000" dirty="0"/>
+              <a:t>Not </a:t>
+            </a:r>
+            <a:r>
+              <a:rPr lang="en-US" sz="2000" b="1" dirty="0"/>
+              <a:t>disabling cache </a:t>
+            </a:r>
+            <a:r>
+              <a:rPr lang="en-US" sz="2000" dirty="0"/>
+              <a:t>on the browser led to a lot of confusion on which file was being run</a:t>
+            </a:r>
+          </a:p>
+          <a:p>
+            <a:r>
+              <a:rPr lang="en-US" sz="2000" dirty="0"/>
+              <a:t>Leaflet CSS on height scaling was not obvious</a:t>
+            </a:r>
+          </a:p>
+          <a:p>
+            <a:r>
+              <a:rPr lang="en-US" sz="2000" dirty="0"/>
+              <a:t>Learning ChartJS syntax and enabling the charts (</a:t>
+            </a:r>
+            <a:r>
+              <a:rPr lang="en-US" sz="2000" b="1" dirty="0"/>
+              <a:t>thank you Justin!!</a:t>
+            </a:r>
+            <a:r>
+              <a:rPr lang="en-US" sz="2000" dirty="0"/>
+              <a:t>)</a:t>
+            </a:r>
+          </a:p>
+          <a:p>
+            <a:r>
+              <a:rPr lang="en-US" sz="2000" dirty="0"/>
+              <a:t>Change in git push procedures starting Aug 13, 2021 with tokens took additional time</a:t>
+            </a:r>
+          </a:p>
+          <a:p>
+            <a:r>
+              <a:rPr lang="en-US" sz="2000" dirty="0"/>
+              <a:t>Setting up/visualizing the architecture for the project was challenging at the beginning of the project</a:t>
+            </a:r>
+          </a:p>
+        </p:txBody>
+      </p:sp>
+      <p:sp>
+        <p:nvSpPr>
+          <p:cNvPr id="4" name="Slide Number Placeholder 3">
+            <a:extLst>
+              <a:ext uri="{FF2B5EF4-FFF2-40B4-BE49-F238E27FC236}">
+                <a16:creationId xmlns:a16="http://schemas.microsoft.com/office/drawing/2014/main" id="{69FBE055-19C7-B143-B1CB-423536FC9A59}"/>
+              </a:ext>
+            </a:extLst>
+          </p:cNvPr>
+          <p:cNvSpPr>
+            <a:spLocks noGrp="1"/>
+          </p:cNvSpPr>
+          <p:nvPr>
+            <p:ph type="sldNum" sz="quarter" idx="12"/>
+          </p:nvPr>
+        </p:nvSpPr>
         <p:spPr/>
         <p:txBody>
           <a:bodyPr/>
           <a:lstStyle/>
           <a:p>
-            <a:endParaRPr lang="en-US"/>
+            <a:fld id="{3A98EE3D-8CD1-4C3F-BD1C-C98C9596463C}" type="slidenum">
+              <a:rPr lang="en-US" smtClean="0"/>
+              <a:t>7</a:t>
+            </a:fld>
+            <a:endParaRPr lang="en-US" dirty="0"/>
           </a:p>
         </p:txBody>
       </p:sp>
@@ -5867,4 +7369,299 @@
     </a:ext>
   </a:extLst>
 </a:theme>
+</file>
+
+<file path=ppt/theme/theme2.xml><?xml version="1.0" encoding="utf-8"?>
+<a:theme xmlns:a="http://schemas.openxmlformats.org/drawingml/2006/main" name="Office Theme">
+  <a:themeElements>
+    <a:clrScheme name="Office">
+      <a:dk1>
+        <a:sysClr val="windowText" lastClr="000000"/>
+      </a:dk1>
+      <a:lt1>
+        <a:sysClr val="window" lastClr="FFFFFF"/>
+      </a:lt1>
+      <a:dk2>
+        <a:srgbClr val="44546A"/>
+      </a:dk2>
+      <a:lt2>
+        <a:srgbClr val="E7E6E6"/>
+      </a:lt2>
+      <a:accent1>
+        <a:srgbClr val="4472C4"/>
+      </a:accent1>
+      <a:accent2>
+        <a:srgbClr val="ED7D31"/>
+      </a:accent2>
+      <a:accent3>
+        <a:srgbClr val="A5A5A5"/>
+      </a:accent3>
+      <a:accent4>
+        <a:srgbClr val="FFC000"/>
+      </a:accent4>
+      <a:accent5>
+        <a:srgbClr val="5B9BD5"/>
+      </a:accent5>
+      <a:accent6>
+        <a:srgbClr val="70AD47"/>
+      </a:accent6>
+      <a:hlink>
+        <a:srgbClr val="0563C1"/>
+      </a:hlink>
+      <a:folHlink>
+        <a:srgbClr val="954F72"/>
+      </a:folHlink>
+    </a:clrScheme>
+    <a:fontScheme name="Office">
+      <a:majorFont>
+        <a:latin typeface="Calibri Light" panose="020F0302020204030204"/>
+        <a:ea typeface=""/>
+        <a:cs typeface=""/>
+        <a:font script="Jpan" typeface="游ゴシック Light"/>
+        <a:font script="Hang" typeface="맑은 고딕"/>
+        <a:font script="Hans" typeface="等线 Light"/>
+        <a:font script="Hant" typeface="新細明體"/>
+        <a:font script="Arab" typeface="Times New Roman"/>
+        <a:font script="Hebr" typeface="Times New Roman"/>
+        <a:font script="Thai" typeface="Angsana New"/>
+        <a:font script="Ethi" typeface="Nyala"/>
+        <a:font script="Beng" typeface="Vrinda"/>
+        <a:font script="Gujr" typeface="Shruti"/>
+        <a:font script="Khmr" typeface="MoolBoran"/>
+        <a:font script="Knda" typeface="Tunga"/>
+        <a:font script="Guru" typeface="Raavi"/>
+        <a:font script="Cans" typeface="Euphemia"/>
+        <a:font script="Cher" typeface="Plantagenet Cherokee"/>
+        <a:font script="Yiii" typeface="Microsoft Yi Baiti"/>
+        <a:font script="Tibt" typeface="Microsoft Himalaya"/>
+        <a:font script="Thaa" typeface="MV Boli"/>
+        <a:font script="Deva" typeface="Mangal"/>
+        <a:font script="Telu" typeface="Gautami"/>
+        <a:font script="Taml" typeface="Latha"/>
+        <a:font script="Syrc" typeface="Estrangelo Edessa"/>
+        <a:font script="Orya" typeface="Kalinga"/>
+        <a:font script="Mlym" typeface="Kartika"/>
+        <a:font script="Laoo" typeface="DokChampa"/>
+        <a:font script="Sinh" typeface="Iskoola Pota"/>
+        <a:font script="Mong" typeface="Mongolian Baiti"/>
+        <a:font script="Viet" typeface="Times New Roman"/>
+        <a:font script="Uigh" typeface="Microsoft Uighur"/>
+        <a:font script="Geor" typeface="Sylfaen"/>
+        <a:font script="Armn" typeface="Arial"/>
+        <a:font script="Bugi" typeface="Leelawadee UI"/>
+        <a:font script="Bopo" typeface="Microsoft JhengHei"/>
+        <a:font script="Java" typeface="Javanese Text"/>
+        <a:font script="Lisu" typeface="Segoe UI"/>
+        <a:font script="Mymr" typeface="Myanmar Text"/>
+        <a:font script="Nkoo" typeface="Ebrima"/>
+        <a:font script="Olck" typeface="Nirmala UI"/>
+        <a:font script="Osma" typeface="Ebrima"/>
+        <a:font script="Phag" typeface="Phagspa"/>
+        <a:font script="Syrn" typeface="Estrangelo Edessa"/>
+        <a:font script="Syrj" typeface="Estrangelo Edessa"/>
+        <a:font script="Syre" typeface="Estrangelo Edessa"/>
+        <a:font script="Sora" typeface="Nirmala UI"/>
+        <a:font script="Tale" typeface="Microsoft Tai Le"/>
+        <a:font script="Talu" typeface="Microsoft New Tai Lue"/>
+        <a:font script="Tfng" typeface="Ebrima"/>
+      </a:majorFont>
+      <a:minorFont>
+        <a:latin typeface="Calibri" panose="020F0502020204030204"/>
+        <a:ea typeface=""/>
+        <a:cs typeface=""/>
+        <a:font script="Jpan" typeface="游ゴシック"/>
+        <a:font script="Hang" typeface="맑은 고딕"/>
+        <a:font script="Hans" typeface="等线"/>
+        <a:font script="Hant" typeface="新細明體"/>
+        <a:font script="Arab" typeface="Arial"/>
+        <a:font script="Hebr" typeface="Arial"/>
+        <a:font script="Thai" typeface="Cordia New"/>
+        <a:font script="Ethi" typeface="Nyala"/>
+        <a:font script="Beng" typeface="Vrinda"/>
+        <a:font script="Gujr" typeface="Shruti"/>
+        <a:font script="Khmr" typeface="DaunPenh"/>
+        <a:font script="Knda" typeface="Tunga"/>
+        <a:font script="Guru" typeface="Raavi"/>
+        <a:font script="Cans" typeface="Euphemia"/>
+        <a:font script="Cher" typeface="Plantagenet Cherokee"/>
+        <a:font script="Yiii" typeface="Microsoft Yi Baiti"/>
+        <a:font script="Tibt" typeface="Microsoft Himalaya"/>
+        <a:font script="Thaa" typeface="MV Boli"/>
+        <a:font script="Deva" typeface="Mangal"/>
+        <a:font script="Telu" typeface="Gautami"/>
+        <a:font script="Taml" typeface="Latha"/>
+        <a:font script="Syrc" typeface="Estrangelo Edessa"/>
+        <a:font script="Orya" typeface="Kalinga"/>
+        <a:font script="Mlym" typeface="Kartika"/>
+        <a:font script="Laoo" typeface="DokChampa"/>
+        <a:font script="Sinh" typeface="Iskoola Pota"/>
+        <a:font script="Mong" typeface="Mongolian Baiti"/>
+        <a:font script="Viet" typeface="Arial"/>
+        <a:font script="Uigh" typeface="Microsoft Uighur"/>
+        <a:font script="Geor" typeface="Sylfaen"/>
+        <a:font script="Armn" typeface="Arial"/>
+        <a:font script="Bugi" typeface="Leelawadee UI"/>
+        <a:font script="Bopo" typeface="Microsoft JhengHei"/>
+        <a:font script="Java" typeface="Javanese Text"/>
+        <a:font script="Lisu" typeface="Segoe UI"/>
+        <a:font script="Mymr" typeface="Myanmar Text"/>
+        <a:font script="Nkoo" typeface="Ebrima"/>
+        <a:font script="Olck" typeface="Nirmala UI"/>
+        <a:font script="Osma" typeface="Ebrima"/>
+        <a:font script="Phag" typeface="Phagspa"/>
+        <a:font script="Syrn" typeface="Estrangelo Edessa"/>
+        <a:font script="Syrj" typeface="Estrangelo Edessa"/>
+        <a:font script="Syre" typeface="Estrangelo Edessa"/>
+        <a:font script="Sora" typeface="Nirmala UI"/>
+        <a:font script="Tale" typeface="Microsoft Tai Le"/>
+        <a:font script="Talu" typeface="Microsoft New Tai Lue"/>
+        <a:font script="Tfng" typeface="Ebrima"/>
+      </a:minorFont>
+    </a:fontScheme>
+    <a:fmtScheme name="Office">
+      <a:fillStyleLst>
+        <a:solidFill>
+          <a:schemeClr val="phClr"/>
+        </a:solidFill>
+        <a:gradFill rotWithShape="1">
+          <a:gsLst>
+            <a:gs pos="0">
+              <a:schemeClr val="phClr">
+                <a:lumMod val="110000"/>
+                <a:satMod val="105000"/>
+                <a:tint val="67000"/>
+              </a:schemeClr>
+            </a:gs>
+            <a:gs pos="50000">
+              <a:schemeClr val="phClr">
+                <a:lumMod val="105000"/>
+                <a:satMod val="103000"/>
+                <a:tint val="73000"/>
+              </a:schemeClr>
+            </a:gs>
+            <a:gs pos="100000">
+              <a:schemeClr val="phClr">
+                <a:lumMod val="105000"/>
+                <a:satMod val="109000"/>
+                <a:tint val="81000"/>
+              </a:schemeClr>
+            </a:gs>
+          </a:gsLst>
+          <a:lin ang="5400000" scaled="0"/>
+        </a:gradFill>
+        <a:gradFill rotWithShape="1">
+          <a:gsLst>
+            <a:gs pos="0">
+              <a:schemeClr val="phClr">
+                <a:satMod val="103000"/>
+                <a:lumMod val="102000"/>
+                <a:tint val="94000"/>
+              </a:schemeClr>
+            </a:gs>
+            <a:gs pos="50000">
+              <a:schemeClr val="phClr">
+                <a:satMod val="110000"/>
+                <a:lumMod val="100000"/>
+                <a:shade val="100000"/>
+              </a:schemeClr>
+            </a:gs>
+            <a:gs pos="100000">
+              <a:schemeClr val="phClr">
+                <a:lumMod val="99000"/>
+                <a:satMod val="120000"/>
+                <a:shade val="78000"/>
+              </a:schemeClr>
+            </a:gs>
+          </a:gsLst>
+          <a:lin ang="5400000" scaled="0"/>
+        </a:gradFill>
+      </a:fillStyleLst>
+      <a:lnStyleLst>
+        <a:ln w="6350" cap="flat" cmpd="sng" algn="ctr">
+          <a:solidFill>
+            <a:schemeClr val="phClr"/>
+          </a:solidFill>
+          <a:prstDash val="solid"/>
+          <a:miter lim="800000"/>
+        </a:ln>
+        <a:ln w="12700" cap="flat" cmpd="sng" algn="ctr">
+          <a:solidFill>
+            <a:schemeClr val="phClr"/>
+          </a:solidFill>
+          <a:prstDash val="solid"/>
+          <a:miter lim="800000"/>
+        </a:ln>
+        <a:ln w="19050" cap="flat" cmpd="sng" algn="ctr">
+          <a:solidFill>
+            <a:schemeClr val="phClr"/>
+          </a:solidFill>
+          <a:prstDash val="solid"/>
+          <a:miter lim="800000"/>
+        </a:ln>
+      </a:lnStyleLst>
+      <a:effectStyleLst>
+        <a:effectStyle>
+          <a:effectLst/>
+        </a:effectStyle>
+        <a:effectStyle>
+          <a:effectLst/>
+        </a:effectStyle>
+        <a:effectStyle>
+          <a:effectLst>
+            <a:outerShdw blurRad="57150" dist="19050" dir="5400000" algn="ctr" rotWithShape="0">
+              <a:srgbClr val="000000">
+                <a:alpha val="63000"/>
+              </a:srgbClr>
+            </a:outerShdw>
+          </a:effectLst>
+        </a:effectStyle>
+      </a:effectStyleLst>
+      <a:bgFillStyleLst>
+        <a:solidFill>
+          <a:schemeClr val="phClr"/>
+        </a:solidFill>
+        <a:solidFill>
+          <a:schemeClr val="phClr">
+            <a:tint val="95000"/>
+            <a:satMod val="170000"/>
+          </a:schemeClr>
+        </a:solidFill>
+        <a:gradFill rotWithShape="1">
+          <a:gsLst>
+            <a:gs pos="0">
+              <a:schemeClr val="phClr">
+                <a:tint val="93000"/>
+                <a:satMod val="150000"/>
+                <a:shade val="98000"/>
+                <a:lumMod val="102000"/>
+              </a:schemeClr>
+            </a:gs>
+            <a:gs pos="50000">
+              <a:schemeClr val="phClr">
+                <a:tint val="98000"/>
+                <a:satMod val="130000"/>
+                <a:shade val="90000"/>
+                <a:lumMod val="103000"/>
+              </a:schemeClr>
+            </a:gs>
+            <a:gs pos="100000">
+              <a:schemeClr val="phClr">
+                <a:shade val="63000"/>
+                <a:satMod val="120000"/>
+              </a:schemeClr>
+            </a:gs>
+          </a:gsLst>
+          <a:lin ang="5400000" scaled="0"/>
+        </a:gradFill>
+      </a:bgFillStyleLst>
+    </a:fmtScheme>
+  </a:themeElements>
+  <a:objectDefaults/>
+  <a:extraClrSchemeLst/>
+  <a:extLst>
+    <a:ext uri="{05A4C25C-085E-4340-85A3-A5531E510DB2}">
+      <thm15:themeFamily xmlns:thm15="http://schemas.microsoft.com/office/thememl/2012/main" name="Office Theme" id="{62F939B6-93AF-4DB8-9C6B-D6C7DFDC589F}" vid="{4A3C46E8-61CC-4603-A589-7422A47A8E4A}"/>
+    </a:ext>
+  </a:extLst>
+</a:theme>
 </file>
--- a/Movie Guru.pptx
+++ b/Movie Guru.pptx
@@ -229,7 +229,7 @@
           <a:p>
             <a:fld id="{54788375-44CB-3247-94CD-E4D1BECA1B3C}" type="datetimeFigureOut">
               <a:rPr lang="en-US" smtClean="0"/>
-              <a:t>8/15/21</a:t>
+              <a:t>8/16/21</a:t>
             </a:fld>
             <a:endParaRPr lang="en-US"/>
           </a:p>
@@ -734,7 +734,7 @@
           <a:p>
             <a:fld id="{B8A68F0B-36EA-FD48-9365-71FE7D543ED4}" type="datetime1">
               <a:rPr lang="en-US" smtClean="0"/>
-              <a:t>8/15/21</a:t>
+              <a:t>8/16/21</a:t>
             </a:fld>
             <a:endParaRPr lang="en-US" dirty="0"/>
           </a:p>
@@ -937,7 +937,7 @@
           <a:p>
             <a:fld id="{3ADDC197-0D0A-6141-9C0D-2832BFC4CE75}" type="datetime1">
               <a:rPr lang="en-US" smtClean="0"/>
-              <a:t>8/15/21</a:t>
+              <a:t>8/16/21</a:t>
             </a:fld>
             <a:endParaRPr lang="en-US" dirty="0"/>
           </a:p>
@@ -1299,7 +1299,7 @@
           <a:p>
             <a:fld id="{1FF09437-95FF-A344-BCBF-97C2CBF55DD8}" type="datetime1">
               <a:rPr lang="en-US" smtClean="0"/>
-              <a:t>8/15/21</a:t>
+              <a:t>8/16/21</a:t>
             </a:fld>
             <a:endParaRPr lang="en-US" dirty="0"/>
           </a:p>
@@ -1497,7 +1497,7 @@
           <a:p>
             <a:fld id="{D0AACD92-0C01-C54C-BEBE-55D5EF77E415}" type="datetime1">
               <a:rPr lang="en-US" smtClean="0"/>
-              <a:t>8/15/21</a:t>
+              <a:t>8/16/21</a:t>
             </a:fld>
             <a:endParaRPr lang="en-US" dirty="0"/>
           </a:p>
@@ -1809,7 +1809,7 @@
           <a:p>
             <a:fld id="{AE46252E-03D4-A240-BABE-992977EBDEE5}" type="datetime1">
               <a:rPr lang="en-US" smtClean="0"/>
-              <a:t>8/15/21</a:t>
+              <a:t>8/16/21</a:t>
             </a:fld>
             <a:endParaRPr lang="en-US" dirty="0"/>
           </a:p>
@@ -2062,7 +2062,7 @@
           <a:p>
             <a:fld id="{E9B0B173-CDDA-5E45-96EC-1E6F9E7EDFCE}" type="datetime1">
               <a:rPr lang="en-US" smtClean="0"/>
-              <a:t>8/15/21</a:t>
+              <a:t>8/16/21</a:t>
             </a:fld>
             <a:endParaRPr lang="en-US" dirty="0"/>
           </a:p>
@@ -2484,7 +2484,7 @@
           <a:p>
             <a:fld id="{BA22CF18-F4F3-844E-B7C6-F0D68CFCB572}" type="datetime1">
               <a:rPr lang="en-US" smtClean="0"/>
-              <a:t>8/15/21</a:t>
+              <a:t>8/16/21</a:t>
             </a:fld>
             <a:endParaRPr lang="en-US" dirty="0"/>
           </a:p>
@@ -2607,7 +2607,7 @@
           <a:p>
             <a:fld id="{184ECDD8-5E36-3B41-BAD7-75AFBE24C7F3}" type="datetime1">
               <a:rPr lang="en-US" smtClean="0"/>
-              <a:t>8/15/21</a:t>
+              <a:t>8/16/21</a:t>
             </a:fld>
             <a:endParaRPr lang="en-US" dirty="0"/>
           </a:p>
@@ -2702,7 +2702,7 @@
           <a:p>
             <a:fld id="{C8464CC7-4F19-6E4E-8E9F-CCA24A933952}" type="datetime1">
               <a:rPr lang="en-US" smtClean="0"/>
-              <a:t>8/15/21</a:t>
+              <a:t>8/16/21</a:t>
             </a:fld>
             <a:endParaRPr lang="en-US" dirty="0"/>
           </a:p>
@@ -3079,7 +3079,7 @@
           <a:p>
             <a:fld id="{E9E4DCBF-5D42-F644-83DA-195215DCFF73}" type="datetime1">
               <a:rPr lang="en-US" smtClean="0"/>
-              <a:t>8/15/21</a:t>
+              <a:t>8/16/21</a:t>
             </a:fld>
             <a:endParaRPr lang="en-US" dirty="0"/>
           </a:p>
@@ -3372,7 +3372,7 @@
           <a:p>
             <a:fld id="{7754AB9F-2145-2643-876A-49E5A01B301E}" type="datetime1">
               <a:rPr lang="en-US" smtClean="0"/>
-              <a:t>8/15/21</a:t>
+              <a:t>8/16/21</a:t>
             </a:fld>
             <a:endParaRPr lang="en-US" dirty="0"/>
           </a:p>
@@ -3587,7 +3587,7 @@
           <a:p>
             <a:fld id="{C67DA9E9-774E-F64F-9167-10EBDCB4CAE4}" type="datetime1">
               <a:rPr lang="en-US" smtClean="0"/>
-              <a:t>8/15/21</a:t>
+              <a:t>8/16/21</a:t>
             </a:fld>
             <a:endParaRPr lang="en-US" dirty="0"/>
           </a:p>
@@ -5218,7 +5218,7 @@
             </a:pPr>
             <a:r>
               <a:rPr lang="en-US" sz="1800" dirty="0"/>
-              <a:t>Import data to Jupyter notebook</a:t>
+              <a:t>Import .csv data to Jupyter notebook</a:t>
             </a:r>
           </a:p>
           <a:p>
@@ -5231,7 +5231,31 @@
             </a:pPr>
             <a:r>
               <a:rPr lang="en-US" sz="1800" dirty="0"/>
-              <a:t>Merging different DB’s such IMDB films data with Latitude and Longitude of different countries. </a:t>
+              <a:t>Merged the IMDB </a:t>
+            </a:r>
+            <a:r>
+              <a:rPr lang="en-US" dirty="0"/>
+              <a:t>F</a:t>
+            </a:r>
+            <a:r>
+              <a:rPr lang="en-US" sz="1800" dirty="0"/>
+              <a:t>ilms </a:t>
+            </a:r>
+            <a:r>
+              <a:rPr lang="en-US" sz="1800" dirty="0" err="1"/>
+              <a:t>dataframe</a:t>
+            </a:r>
+            <a:r>
+              <a:rPr lang="en-US" sz="1800" dirty="0"/>
+              <a:t> with the Latitude and Longitude </a:t>
+            </a:r>
+            <a:r>
+              <a:rPr lang="en-US" sz="1800" dirty="0" err="1"/>
+              <a:t>dataframe</a:t>
+            </a:r>
+            <a:r>
+              <a:rPr lang="en-US" sz="1800" dirty="0"/>
+              <a:t>. </a:t>
             </a:r>
           </a:p>
           <a:p>
@@ -5244,11 +5268,11 @@
             </a:pPr>
             <a:r>
               <a:rPr lang="en-US" sz="1800" dirty="0"/>
-              <a:t>Drop </a:t>
+              <a:t>Dropped </a:t>
             </a:r>
             <a:r>
               <a:rPr lang="en-US" dirty="0"/>
-              <a:t>columns and finding unique data , splitting cells strings to structure data source.</a:t>
+              <a:t>columns and found unique data; split cells strings to structure data source.</a:t>
             </a:r>
             <a:endParaRPr lang="en-US" sz="1800" dirty="0"/>
           </a:p>
@@ -5270,7 +5294,7 @@
             </a:r>
             <a:r>
               <a:rPr lang="en-US" sz="1800" dirty="0"/>
-              <a:t>ostgreSQL and generate engine</a:t>
+              <a:t>ostgreSQL and generate engine using Pandas </a:t>
             </a:r>
           </a:p>
           <a:p>
@@ -5282,8 +5306,12 @@
               <a:buChar char="-"/>
             </a:pPr>
             <a:r>
+              <a:rPr lang="en-US" sz="1800"/>
+              <a:t>ETL </a:t>
+            </a:r>
+            <a:r>
               <a:rPr lang="en-US" sz="1800" dirty="0"/>
-              <a:t>ETL process complete</a:t>
+              <a:t>process complete</a:t>
             </a:r>
           </a:p>
           <a:p>
